--- a/Домофон.pptx
+++ b/Домофон.pptx
@@ -234,7 +234,7 @@
             <a:pPr rtl="0"/>
             <a:fld id="{AD435E3D-4779-4F74-B50E-7D6C92F116A8}" type="datetime1">
               <a:rPr lang="ru-RU" smtClean="0"/>
-              <a:t>28.04.2021</a:t>
+              <a:t>29.04.2021</a:t>
             </a:fld>
             <a:endParaRPr lang="ru-RU"/>
           </a:p>
@@ -416,7 +416,7 @@
             <a:pPr rtl="0"/>
             <a:fld id="{704E80F0-1DF1-4858-9B22-BB5AEB10E915}" type="datetime1">
               <a:rPr lang="ru-RU" noProof="0" smtClean="0"/>
-              <a:t>28.04.2021</a:t>
+              <a:t>29.04.2021</a:t>
             </a:fld>
             <a:endParaRPr lang="ru-RU" noProof="0"/>
           </a:p>
@@ -14557,10 +14557,6 @@
               <a:rPr lang="en-US" dirty="0" smtClean="0"/>
               <a:t> </a:t>
             </a:r>
-            <a:r>
-              <a:rPr lang="en-US" dirty="0" smtClean="0"/>
-              <a:t/>
-            </a:r>
             <a:br>
               <a:rPr lang="en-US" dirty="0" smtClean="0"/>
             </a:br>
@@ -14600,12 +14596,8 @@
           <a:p>
             <a:pPr rtl="0"/>
             <a:r>
-              <a:rPr lang="ru-RU" dirty="0" err="1" smtClean="0"/>
-              <a:t>Филозоп</a:t>
-            </a:r>
-            <a:r>
               <a:rPr lang="ru-RU" dirty="0" smtClean="0"/>
-              <a:t> Софья</a:t>
+              <a:t>Филозоп Софья</a:t>
             </a:r>
             <a:endParaRPr lang="ru-RU" dirty="0"/>
           </a:p>
@@ -14762,7 +14754,6 @@
               <a:rPr lang="ru-RU" sz="3200" dirty="0" smtClean="0"/>
               <a:t>.</a:t>
             </a:r>
-            <a:endParaRPr lang="ru-RU" sz="3200" dirty="0" smtClean="0"/>
           </a:p>
           <a:p>
             <a:pPr>
@@ -14997,15 +14988,7 @@
             </a:r>
             <a:r>
               <a:rPr lang="ru-RU" sz="2800" dirty="0" smtClean="0"/>
-              <a:t>(</a:t>
-            </a:r>
-            <a:r>
-              <a:rPr lang="ru-RU" sz="2800" dirty="0" smtClean="0"/>
-              <a:t>для работы с базой данных, в которой хранятся все размещенные объявления и информация о пользователях</a:t>
-            </a:r>
-            <a:r>
-              <a:rPr lang="ru-RU" sz="2800" dirty="0" smtClean="0"/>
-              <a:t>)</a:t>
+              <a:t>(для работы с базой данных, в которой хранятся все размещенные объявления и информация о пользователях)</a:t>
             </a:r>
             <a:r>
               <a:rPr lang="en-US" sz="2800" dirty="0"/>
@@ -15024,19 +15007,11 @@
             </a:r>
             <a:r>
               <a:rPr lang="en-US" sz="2800" dirty="0" smtClean="0"/>
-              <a:t> </a:t>
-            </a:r>
-            <a:r>
-              <a:rPr lang="en-US" sz="2800" dirty="0" smtClean="0"/>
-              <a:t>(</a:t>
+              <a:t> (</a:t>
             </a:r>
             <a:r>
               <a:rPr lang="ru-RU" sz="2800" dirty="0" smtClean="0"/>
-              <a:t>для </a:t>
-            </a:r>
-            <a:r>
-              <a:rPr lang="ru-RU" sz="2800" dirty="0" smtClean="0"/>
-              <a:t>получения даты и времени создания объявления</a:t>
+              <a:t>для получения даты и времени создания объявления</a:t>
             </a:r>
             <a:r>
               <a:rPr lang="en-US" sz="2800" dirty="0" smtClean="0"/>
@@ -15234,14 +15209,14 @@
       </p:sp>
       <p:sp>
         <p:nvSpPr>
-          <p:cNvPr id="6" name="Скругленный прямоугольник 5"/>
+          <p:cNvPr id="72" name="Скругленный прямоугольник 71"/>
           <p:cNvSpPr/>
           <p:nvPr/>
         </p:nvSpPr>
         <p:spPr>
           <a:xfrm>
-            <a:off x="471055" y="2512291"/>
-            <a:ext cx="1533236" cy="387927"/>
+            <a:off x="10740050" y="4670066"/>
+            <a:ext cx="1527791" cy="387927"/>
           </a:xfrm>
           <a:prstGeom prst="roundRect">
             <a:avLst/>
@@ -15264,1574 +15239,1666 @@
           </a:p>
         </p:txBody>
       </p:sp>
-      <p:sp>
-        <p:nvSpPr>
-          <p:cNvPr id="8" name="Скругленный прямоугольник 7"/>
-          <p:cNvSpPr/>
+      <p:grpSp>
+        <p:nvGrpSpPr>
+          <p:cNvPr id="74" name="Группа 73"/>
+          <p:cNvGrpSpPr/>
           <p:nvPr/>
-        </p:nvSpPr>
-        <p:spPr>
+        </p:nvGrpSpPr>
+        <p:grpSpPr>
           <a:xfrm>
-            <a:off x="471055" y="3036016"/>
-            <a:ext cx="1533236" cy="387927"/>
+            <a:off x="207028" y="2539150"/>
+            <a:ext cx="12193292" cy="3567651"/>
+            <a:chOff x="207028" y="2539150"/>
+            <a:chExt cx="12193292" cy="3567651"/>
           </a:xfrm>
-          <a:prstGeom prst="roundRect">
-            <a:avLst/>
-          </a:prstGeom>
-          <a:solidFill>
-            <a:schemeClr val="bg2"/>
-          </a:solidFill>
-          <a:ln w="12700" cap="flat">
+        </p:grpSpPr>
+        <p:grpSp>
+          <p:nvGrpSpPr>
+            <p:cNvPr id="71" name="Группа 70"/>
+            <p:cNvGrpSpPr/>
+            <p:nvPr/>
+          </p:nvGrpSpPr>
+          <p:grpSpPr>
+            <a:xfrm>
+              <a:off x="207028" y="2539150"/>
+              <a:ext cx="10587828" cy="3567651"/>
+              <a:chOff x="471055" y="2474495"/>
+              <a:chExt cx="10587828" cy="3567651"/>
+            </a:xfrm>
+          </p:grpSpPr>
+          <p:sp>
+            <p:nvSpPr>
+              <p:cNvPr id="6" name="Скругленный прямоугольник 5"/>
+              <p:cNvSpPr/>
+              <p:nvPr/>
+            </p:nvSpPr>
+            <p:spPr>
+              <a:xfrm>
+                <a:off x="471055" y="2512291"/>
+                <a:ext cx="1533236" cy="387927"/>
+              </a:xfrm>
+              <a:prstGeom prst="roundRect">
+                <a:avLst/>
+              </a:prstGeom>
+              <a:solidFill>
+                <a:schemeClr val="bg2"/>
+              </a:solidFill>
+              <a:ln w="12700" cap="flat">
+                <a:noFill/>
+                <a:prstDash val="solid"/>
+                <a:miter/>
+              </a:ln>
+            </p:spPr>
+            <p:txBody>
+              <a:bodyPr rtlCol="0" anchor="ctr"/>
+              <a:lstStyle/>
+              <a:p>
+                <a:pPr algn="l"/>
+                <a:endParaRPr lang="ru-RU" dirty="0"/>
+              </a:p>
+            </p:txBody>
+          </p:sp>
+          <p:sp>
+            <p:nvSpPr>
+              <p:cNvPr id="8" name="Скругленный прямоугольник 7"/>
+              <p:cNvSpPr/>
+              <p:nvPr/>
+            </p:nvSpPr>
+            <p:spPr>
+              <a:xfrm>
+                <a:off x="471055" y="3036016"/>
+                <a:ext cx="1533236" cy="387927"/>
+              </a:xfrm>
+              <a:prstGeom prst="roundRect">
+                <a:avLst/>
+              </a:prstGeom>
+              <a:solidFill>
+                <a:schemeClr val="bg2"/>
+              </a:solidFill>
+              <a:ln w="12700" cap="flat">
+                <a:noFill/>
+                <a:prstDash val="solid"/>
+                <a:miter/>
+              </a:ln>
+            </p:spPr>
+            <p:txBody>
+              <a:bodyPr rtlCol="0" anchor="ctr"/>
+              <a:lstStyle/>
+              <a:p>
+                <a:pPr algn="l"/>
+                <a:endParaRPr lang="ru-RU" dirty="0"/>
+              </a:p>
+            </p:txBody>
+          </p:sp>
+          <p:sp>
+            <p:nvSpPr>
+              <p:cNvPr id="9" name="Скругленный прямоугольник 8"/>
+              <p:cNvSpPr/>
+              <p:nvPr/>
+            </p:nvSpPr>
+            <p:spPr>
+              <a:xfrm>
+                <a:off x="471055" y="3559741"/>
+                <a:ext cx="1533236" cy="387927"/>
+              </a:xfrm>
+              <a:prstGeom prst="roundRect">
+                <a:avLst/>
+              </a:prstGeom>
+              <a:solidFill>
+                <a:schemeClr val="bg2"/>
+              </a:solidFill>
+              <a:ln w="12700" cap="flat">
+                <a:noFill/>
+                <a:prstDash val="solid"/>
+                <a:miter/>
+              </a:ln>
+            </p:spPr>
+            <p:txBody>
+              <a:bodyPr rtlCol="0" anchor="ctr"/>
+              <a:lstStyle/>
+              <a:p>
+                <a:pPr algn="l"/>
+                <a:endParaRPr lang="ru-RU" dirty="0"/>
+              </a:p>
+            </p:txBody>
+          </p:sp>
+          <p:sp>
+            <p:nvSpPr>
+              <p:cNvPr id="10" name="Скругленный прямоугольник 9"/>
+              <p:cNvSpPr/>
+              <p:nvPr/>
+            </p:nvSpPr>
+            <p:spPr>
+              <a:xfrm>
+                <a:off x="471055" y="4077416"/>
+                <a:ext cx="1533236" cy="387927"/>
+              </a:xfrm>
+              <a:prstGeom prst="roundRect">
+                <a:avLst/>
+              </a:prstGeom>
+              <a:solidFill>
+                <a:schemeClr val="bg2"/>
+              </a:solidFill>
+              <a:ln w="12700" cap="flat">
+                <a:noFill/>
+                <a:prstDash val="solid"/>
+                <a:miter/>
+              </a:ln>
+            </p:spPr>
+            <p:txBody>
+              <a:bodyPr rtlCol="0" anchor="ctr"/>
+              <a:lstStyle/>
+              <a:p>
+                <a:pPr algn="l"/>
+                <a:endParaRPr lang="ru-RU" dirty="0"/>
+              </a:p>
+            </p:txBody>
+          </p:sp>
+          <p:sp>
+            <p:nvSpPr>
+              <p:cNvPr id="11" name="Скругленный прямоугольник 10"/>
+              <p:cNvSpPr/>
+              <p:nvPr/>
+            </p:nvSpPr>
+            <p:spPr>
+              <a:xfrm>
+                <a:off x="471055" y="4595091"/>
+                <a:ext cx="1533236" cy="387927"/>
+              </a:xfrm>
+              <a:prstGeom prst="roundRect">
+                <a:avLst/>
+              </a:prstGeom>
+              <a:solidFill>
+                <a:schemeClr val="bg2"/>
+              </a:solidFill>
+              <a:ln w="12700" cap="flat">
+                <a:noFill/>
+                <a:prstDash val="solid"/>
+                <a:miter/>
+              </a:ln>
+            </p:spPr>
+            <p:txBody>
+              <a:bodyPr rtlCol="0" anchor="ctr"/>
+              <a:lstStyle/>
+              <a:p>
+                <a:pPr algn="l"/>
+                <a:endParaRPr lang="ru-RU" dirty="0"/>
+              </a:p>
+            </p:txBody>
+          </p:sp>
+          <p:sp>
+            <p:nvSpPr>
+              <p:cNvPr id="12" name="Скругленный прямоугольник 11"/>
+              <p:cNvSpPr/>
+              <p:nvPr/>
+            </p:nvSpPr>
+            <p:spPr>
+              <a:xfrm>
+                <a:off x="471055" y="5118816"/>
+                <a:ext cx="1533236" cy="387927"/>
+              </a:xfrm>
+              <a:prstGeom prst="roundRect">
+                <a:avLst/>
+              </a:prstGeom>
+              <a:solidFill>
+                <a:schemeClr val="bg2"/>
+              </a:solidFill>
+              <a:ln w="12700" cap="flat">
+                <a:noFill/>
+                <a:prstDash val="solid"/>
+                <a:miter/>
+              </a:ln>
+            </p:spPr>
+            <p:txBody>
+              <a:bodyPr rtlCol="0" anchor="ctr"/>
+              <a:lstStyle/>
+              <a:p>
+                <a:pPr algn="l"/>
+                <a:endParaRPr lang="ru-RU" dirty="0"/>
+              </a:p>
+            </p:txBody>
+          </p:sp>
+          <p:sp>
+            <p:nvSpPr>
+              <p:cNvPr id="13" name="Скругленный прямоугольник 12"/>
+              <p:cNvSpPr/>
+              <p:nvPr/>
+            </p:nvSpPr>
+            <p:spPr>
+              <a:xfrm>
+                <a:off x="471055" y="5636491"/>
+                <a:ext cx="1533236" cy="387927"/>
+              </a:xfrm>
+              <a:prstGeom prst="roundRect">
+                <a:avLst/>
+              </a:prstGeom>
+              <a:solidFill>
+                <a:schemeClr val="bg2"/>
+              </a:solidFill>
+              <a:ln w="12700" cap="flat">
+                <a:noFill/>
+                <a:prstDash val="solid"/>
+                <a:miter/>
+              </a:ln>
+            </p:spPr>
+            <p:txBody>
+              <a:bodyPr rtlCol="0" anchor="ctr"/>
+              <a:lstStyle/>
+              <a:p>
+                <a:pPr algn="l"/>
+                <a:endParaRPr lang="ru-RU" dirty="0"/>
+              </a:p>
+            </p:txBody>
+          </p:sp>
+          <p:sp>
+            <p:nvSpPr>
+              <p:cNvPr id="15" name="Скругленный прямоугольник 14"/>
+              <p:cNvSpPr/>
+              <p:nvPr/>
+            </p:nvSpPr>
+            <p:spPr>
+              <a:xfrm>
+                <a:off x="2747819" y="2512290"/>
+                <a:ext cx="1533236" cy="387927"/>
+              </a:xfrm>
+              <a:prstGeom prst="roundRect">
+                <a:avLst/>
+              </a:prstGeom>
+              <a:solidFill>
+                <a:schemeClr val="bg2"/>
+              </a:solidFill>
+              <a:ln w="12700" cap="flat">
+                <a:noFill/>
+                <a:prstDash val="solid"/>
+                <a:miter/>
+              </a:ln>
+            </p:spPr>
+            <p:txBody>
+              <a:bodyPr rtlCol="0" anchor="ctr"/>
+              <a:lstStyle/>
+              <a:p>
+                <a:pPr algn="l"/>
+                <a:endParaRPr lang="ru-RU" dirty="0"/>
+              </a:p>
+            </p:txBody>
+          </p:sp>
+          <p:sp>
+            <p:nvSpPr>
+              <p:cNvPr id="16" name="Скругленный прямоугольник 15"/>
+              <p:cNvSpPr/>
+              <p:nvPr/>
+            </p:nvSpPr>
+            <p:spPr>
+              <a:xfrm>
+                <a:off x="4410364" y="2512290"/>
+                <a:ext cx="1533236" cy="387927"/>
+              </a:xfrm>
+              <a:prstGeom prst="roundRect">
+                <a:avLst/>
+              </a:prstGeom>
+              <a:solidFill>
+                <a:schemeClr val="bg2"/>
+              </a:solidFill>
+              <a:ln w="12700" cap="flat">
+                <a:noFill/>
+                <a:prstDash val="solid"/>
+                <a:miter/>
+              </a:ln>
+            </p:spPr>
+            <p:txBody>
+              <a:bodyPr rtlCol="0" anchor="ctr"/>
+              <a:lstStyle/>
+              <a:p>
+                <a:pPr algn="l"/>
+                <a:endParaRPr lang="ru-RU" dirty="0"/>
+              </a:p>
+            </p:txBody>
+          </p:sp>
+          <p:sp>
+            <p:nvSpPr>
+              <p:cNvPr id="17" name="Скругленный прямоугольник 16"/>
+              <p:cNvSpPr/>
+              <p:nvPr/>
+            </p:nvSpPr>
+            <p:spPr>
+              <a:xfrm>
+                <a:off x="6072909" y="2512290"/>
+                <a:ext cx="1533236" cy="387927"/>
+              </a:xfrm>
+              <a:prstGeom prst="roundRect">
+                <a:avLst/>
+              </a:prstGeom>
+              <a:solidFill>
+                <a:schemeClr val="bg2"/>
+              </a:solidFill>
+              <a:ln w="12700" cap="flat">
+                <a:noFill/>
+                <a:prstDash val="solid"/>
+                <a:miter/>
+              </a:ln>
+            </p:spPr>
+            <p:txBody>
+              <a:bodyPr rtlCol="0" anchor="ctr"/>
+              <a:lstStyle/>
+              <a:p>
+                <a:pPr algn="l"/>
+                <a:endParaRPr lang="ru-RU" dirty="0"/>
+              </a:p>
+            </p:txBody>
+          </p:sp>
+          <p:sp>
+            <p:nvSpPr>
+              <p:cNvPr id="18" name="Скругленный прямоугольник 17"/>
+              <p:cNvSpPr/>
+              <p:nvPr/>
+            </p:nvSpPr>
+            <p:spPr>
+              <a:xfrm>
+                <a:off x="7735454" y="2512290"/>
+                <a:ext cx="1533236" cy="387927"/>
+              </a:xfrm>
+              <a:prstGeom prst="roundRect">
+                <a:avLst/>
+              </a:prstGeom>
+              <a:solidFill>
+                <a:schemeClr val="bg2"/>
+              </a:solidFill>
+              <a:ln w="12700" cap="flat">
+                <a:noFill/>
+                <a:prstDash val="solid"/>
+                <a:miter/>
+              </a:ln>
+            </p:spPr>
+            <p:txBody>
+              <a:bodyPr rtlCol="0" anchor="ctr"/>
+              <a:lstStyle/>
+              <a:p>
+                <a:pPr algn="l"/>
+                <a:endParaRPr lang="ru-RU" dirty="0"/>
+              </a:p>
+            </p:txBody>
+          </p:sp>
+          <p:sp>
+            <p:nvSpPr>
+              <p:cNvPr id="19" name="Скругленный прямоугольник 18"/>
+              <p:cNvSpPr/>
+              <p:nvPr/>
+            </p:nvSpPr>
+            <p:spPr>
+              <a:xfrm>
+                <a:off x="9397999" y="2512290"/>
+                <a:ext cx="1533236" cy="387927"/>
+              </a:xfrm>
+              <a:prstGeom prst="roundRect">
+                <a:avLst/>
+              </a:prstGeom>
+              <a:solidFill>
+                <a:schemeClr val="bg2"/>
+              </a:solidFill>
+              <a:ln w="12700" cap="flat">
+                <a:noFill/>
+                <a:prstDash val="solid"/>
+                <a:miter/>
+              </a:ln>
+            </p:spPr>
+            <p:txBody>
+              <a:bodyPr rtlCol="0" anchor="ctr"/>
+              <a:lstStyle/>
+              <a:p>
+                <a:pPr algn="l"/>
+                <a:endParaRPr lang="ru-RU" dirty="0"/>
+              </a:p>
+            </p:txBody>
+          </p:sp>
+          <p:sp>
+            <p:nvSpPr>
+              <p:cNvPr id="20" name="Скругленный прямоугольник 19"/>
+              <p:cNvSpPr/>
+              <p:nvPr/>
+            </p:nvSpPr>
+            <p:spPr>
+              <a:xfrm>
+                <a:off x="2747819" y="3032991"/>
+                <a:ext cx="1533236" cy="387927"/>
+              </a:xfrm>
+              <a:prstGeom prst="roundRect">
+                <a:avLst/>
+              </a:prstGeom>
+              <a:solidFill>
+                <a:schemeClr val="bg2"/>
+              </a:solidFill>
+              <a:ln w="12700" cap="flat">
+                <a:noFill/>
+                <a:prstDash val="solid"/>
+                <a:miter/>
+              </a:ln>
+            </p:spPr>
+            <p:txBody>
+              <a:bodyPr rtlCol="0" anchor="ctr"/>
+              <a:lstStyle/>
+              <a:p>
+                <a:pPr algn="l"/>
+                <a:endParaRPr lang="ru-RU" dirty="0"/>
+              </a:p>
+            </p:txBody>
+          </p:sp>
+          <p:cxnSp>
+            <p:nvCxnSpPr>
+              <p:cNvPr id="21" name="Прямая со стрелкой 20"/>
+              <p:cNvCxnSpPr/>
+              <p:nvPr/>
+            </p:nvCxnSpPr>
+            <p:spPr>
+              <a:xfrm>
+                <a:off x="2142836" y="2706253"/>
+                <a:ext cx="461819" cy="0"/>
+              </a:xfrm>
+              <a:prstGeom prst="straightConnector1">
+                <a:avLst/>
+              </a:prstGeom>
+              <a:ln w="57150">
+                <a:solidFill>
+                  <a:schemeClr val="bg1">
+                    <a:lumMod val="95000"/>
+                  </a:schemeClr>
+                </a:solidFill>
+                <a:tailEnd type="triangle"/>
+              </a:ln>
+            </p:spPr>
+            <p:style>
+              <a:lnRef idx="1">
+                <a:schemeClr val="accent1"/>
+              </a:lnRef>
+              <a:fillRef idx="0">
+                <a:schemeClr val="accent1"/>
+              </a:fillRef>
+              <a:effectRef idx="0">
+                <a:schemeClr val="accent1"/>
+              </a:effectRef>
+              <a:fontRef idx="minor">
+                <a:schemeClr val="tx1"/>
+              </a:fontRef>
+            </p:style>
+          </p:cxnSp>
+          <p:cxnSp>
+            <p:nvCxnSpPr>
+              <p:cNvPr id="22" name="Прямая со стрелкой 21"/>
+              <p:cNvCxnSpPr/>
+              <p:nvPr/>
+            </p:nvCxnSpPr>
+            <p:spPr>
+              <a:xfrm>
+                <a:off x="2142835" y="3226954"/>
+                <a:ext cx="461819" cy="0"/>
+              </a:xfrm>
+              <a:prstGeom prst="straightConnector1">
+                <a:avLst/>
+              </a:prstGeom>
+              <a:ln w="57150">
+                <a:solidFill>
+                  <a:schemeClr val="bg1">
+                    <a:lumMod val="95000"/>
+                  </a:schemeClr>
+                </a:solidFill>
+                <a:tailEnd type="triangle"/>
+              </a:ln>
+            </p:spPr>
+            <p:style>
+              <a:lnRef idx="1">
+                <a:schemeClr val="accent1"/>
+              </a:lnRef>
+              <a:fillRef idx="0">
+                <a:schemeClr val="accent1"/>
+              </a:fillRef>
+              <a:effectRef idx="0">
+                <a:schemeClr val="accent1"/>
+              </a:effectRef>
+              <a:fontRef idx="minor">
+                <a:schemeClr val="tx1"/>
+              </a:fontRef>
+            </p:style>
+          </p:cxnSp>
+          <p:cxnSp>
+            <p:nvCxnSpPr>
+              <p:cNvPr id="23" name="Прямая со стрелкой 22"/>
+              <p:cNvCxnSpPr/>
+              <p:nvPr/>
+            </p:nvCxnSpPr>
+            <p:spPr>
+              <a:xfrm>
+                <a:off x="2142835" y="3780258"/>
+                <a:ext cx="461819" cy="0"/>
+              </a:xfrm>
+              <a:prstGeom prst="straightConnector1">
+                <a:avLst/>
+              </a:prstGeom>
+              <a:ln w="57150">
+                <a:solidFill>
+                  <a:schemeClr val="bg1">
+                    <a:lumMod val="95000"/>
+                  </a:schemeClr>
+                </a:solidFill>
+                <a:tailEnd type="triangle"/>
+              </a:ln>
+            </p:spPr>
+            <p:style>
+              <a:lnRef idx="1">
+                <a:schemeClr val="accent1"/>
+              </a:lnRef>
+              <a:fillRef idx="0">
+                <a:schemeClr val="accent1"/>
+              </a:fillRef>
+              <a:effectRef idx="0">
+                <a:schemeClr val="accent1"/>
+              </a:effectRef>
+              <a:fontRef idx="minor">
+                <a:schemeClr val="tx1"/>
+              </a:fontRef>
+            </p:style>
+          </p:cxnSp>
+          <p:cxnSp>
+            <p:nvCxnSpPr>
+              <p:cNvPr id="24" name="Прямая со стрелкой 23"/>
+              <p:cNvCxnSpPr/>
+              <p:nvPr/>
+            </p:nvCxnSpPr>
+            <p:spPr>
+              <a:xfrm>
+                <a:off x="2119743" y="4271379"/>
+                <a:ext cx="461819" cy="0"/>
+              </a:xfrm>
+              <a:prstGeom prst="straightConnector1">
+                <a:avLst/>
+              </a:prstGeom>
+              <a:ln w="57150">
+                <a:solidFill>
+                  <a:schemeClr val="bg1">
+                    <a:lumMod val="95000"/>
+                  </a:schemeClr>
+                </a:solidFill>
+                <a:tailEnd type="triangle"/>
+              </a:ln>
+            </p:spPr>
+            <p:style>
+              <a:lnRef idx="1">
+                <a:schemeClr val="accent1"/>
+              </a:lnRef>
+              <a:fillRef idx="0">
+                <a:schemeClr val="accent1"/>
+              </a:fillRef>
+              <a:effectRef idx="0">
+                <a:schemeClr val="accent1"/>
+              </a:effectRef>
+              <a:fontRef idx="minor">
+                <a:schemeClr val="tx1"/>
+              </a:fontRef>
+            </p:style>
+          </p:cxnSp>
+          <p:cxnSp>
+            <p:nvCxnSpPr>
+              <p:cNvPr id="25" name="Прямая со стрелкой 24"/>
+              <p:cNvCxnSpPr/>
+              <p:nvPr/>
+            </p:nvCxnSpPr>
+            <p:spPr>
+              <a:xfrm>
+                <a:off x="2138215" y="4789054"/>
+                <a:ext cx="461819" cy="0"/>
+              </a:xfrm>
+              <a:prstGeom prst="straightConnector1">
+                <a:avLst/>
+              </a:prstGeom>
+              <a:ln w="57150">
+                <a:solidFill>
+                  <a:schemeClr val="bg1">
+                    <a:lumMod val="95000"/>
+                  </a:schemeClr>
+                </a:solidFill>
+                <a:tailEnd type="triangle"/>
+              </a:ln>
+            </p:spPr>
+            <p:style>
+              <a:lnRef idx="1">
+                <a:schemeClr val="accent1"/>
+              </a:lnRef>
+              <a:fillRef idx="0">
+                <a:schemeClr val="accent1"/>
+              </a:fillRef>
+              <a:effectRef idx="0">
+                <a:schemeClr val="accent1"/>
+              </a:effectRef>
+              <a:fontRef idx="minor">
+                <a:schemeClr val="tx1"/>
+              </a:fontRef>
+            </p:style>
+          </p:cxnSp>
+          <p:sp>
+            <p:nvSpPr>
+              <p:cNvPr id="26" name="Скругленный прямоугольник 25"/>
+              <p:cNvSpPr/>
+              <p:nvPr/>
+            </p:nvSpPr>
+            <p:spPr>
+              <a:xfrm>
+                <a:off x="2747819" y="3559741"/>
+                <a:ext cx="1533236" cy="387927"/>
+              </a:xfrm>
+              <a:prstGeom prst="roundRect">
+                <a:avLst/>
+              </a:prstGeom>
+              <a:solidFill>
+                <a:schemeClr val="bg2"/>
+              </a:solidFill>
+              <a:ln w="12700" cap="flat">
+                <a:noFill/>
+                <a:prstDash val="solid"/>
+                <a:miter/>
+              </a:ln>
+            </p:spPr>
+            <p:txBody>
+              <a:bodyPr rtlCol="0" anchor="ctr"/>
+              <a:lstStyle/>
+              <a:p>
+                <a:pPr algn="l"/>
+                <a:endParaRPr lang="ru-RU" dirty="0"/>
+              </a:p>
+            </p:txBody>
+          </p:sp>
+          <p:sp>
+            <p:nvSpPr>
+              <p:cNvPr id="27" name="Скругленный прямоугольник 26"/>
+              <p:cNvSpPr/>
+              <p:nvPr/>
+            </p:nvSpPr>
+            <p:spPr>
+              <a:xfrm>
+                <a:off x="4410364" y="3559741"/>
+                <a:ext cx="1533236" cy="387927"/>
+              </a:xfrm>
+              <a:prstGeom prst="roundRect">
+                <a:avLst/>
+              </a:prstGeom>
+              <a:solidFill>
+                <a:schemeClr val="bg2"/>
+              </a:solidFill>
+              <a:ln w="12700" cap="flat">
+                <a:noFill/>
+                <a:prstDash val="solid"/>
+                <a:miter/>
+              </a:ln>
+            </p:spPr>
+            <p:txBody>
+              <a:bodyPr rtlCol="0" anchor="ctr"/>
+              <a:lstStyle/>
+              <a:p>
+                <a:pPr algn="l"/>
+                <a:endParaRPr lang="ru-RU" dirty="0"/>
+              </a:p>
+            </p:txBody>
+          </p:sp>
+          <p:sp>
+            <p:nvSpPr>
+              <p:cNvPr id="29" name="Скругленный прямоугольник 28"/>
+              <p:cNvSpPr/>
+              <p:nvPr/>
+            </p:nvSpPr>
+            <p:spPr>
+              <a:xfrm>
+                <a:off x="2747815" y="4077414"/>
+                <a:ext cx="1533236" cy="387927"/>
+              </a:xfrm>
+              <a:prstGeom prst="roundRect">
+                <a:avLst/>
+              </a:prstGeom>
+              <a:solidFill>
+                <a:schemeClr val="bg2"/>
+              </a:solidFill>
+              <a:ln w="12700" cap="flat">
+                <a:noFill/>
+                <a:prstDash val="solid"/>
+                <a:miter/>
+              </a:ln>
+            </p:spPr>
+            <p:txBody>
+              <a:bodyPr rtlCol="0" anchor="ctr"/>
+              <a:lstStyle/>
+              <a:p>
+                <a:pPr algn="l"/>
+                <a:endParaRPr lang="ru-RU" dirty="0"/>
+              </a:p>
+            </p:txBody>
+          </p:sp>
+          <p:cxnSp>
+            <p:nvCxnSpPr>
+              <p:cNvPr id="30" name="Прямая со стрелкой 29"/>
+              <p:cNvCxnSpPr/>
+              <p:nvPr/>
+            </p:nvCxnSpPr>
+            <p:spPr>
+              <a:xfrm>
+                <a:off x="4410364" y="4271377"/>
+                <a:ext cx="461819" cy="0"/>
+              </a:xfrm>
+              <a:prstGeom prst="straightConnector1">
+                <a:avLst/>
+              </a:prstGeom>
+              <a:ln w="57150">
+                <a:solidFill>
+                  <a:schemeClr val="bg1">
+                    <a:lumMod val="95000"/>
+                  </a:schemeClr>
+                </a:solidFill>
+                <a:tailEnd type="triangle"/>
+              </a:ln>
+            </p:spPr>
+            <p:style>
+              <a:lnRef idx="1">
+                <a:schemeClr val="accent1"/>
+              </a:lnRef>
+              <a:fillRef idx="0">
+                <a:schemeClr val="accent1"/>
+              </a:fillRef>
+              <a:effectRef idx="0">
+                <a:schemeClr val="accent1"/>
+              </a:effectRef>
+              <a:fontRef idx="minor">
+                <a:schemeClr val="tx1"/>
+              </a:fontRef>
+            </p:style>
+          </p:cxnSp>
+          <p:sp>
+            <p:nvSpPr>
+              <p:cNvPr id="31" name="Скругленный прямоугольник 30"/>
+              <p:cNvSpPr/>
+              <p:nvPr/>
+            </p:nvSpPr>
+            <p:spPr>
+              <a:xfrm>
+                <a:off x="4991348" y="4077413"/>
+                <a:ext cx="1533236" cy="387927"/>
+              </a:xfrm>
+              <a:prstGeom prst="roundRect">
+                <a:avLst/>
+              </a:prstGeom>
+              <a:solidFill>
+                <a:schemeClr val="bg2"/>
+              </a:solidFill>
+              <a:ln w="12700" cap="flat">
+                <a:noFill/>
+                <a:prstDash val="solid"/>
+                <a:miter/>
+              </a:ln>
+            </p:spPr>
+            <p:txBody>
+              <a:bodyPr rtlCol="0" anchor="ctr"/>
+              <a:lstStyle/>
+              <a:p>
+                <a:pPr algn="l"/>
+                <a:endParaRPr lang="ru-RU" dirty="0"/>
+              </a:p>
+            </p:txBody>
+          </p:sp>
+          <p:sp>
+            <p:nvSpPr>
+              <p:cNvPr id="32" name="Скругленный прямоугольник 31"/>
+              <p:cNvSpPr/>
+              <p:nvPr/>
+            </p:nvSpPr>
+            <p:spPr>
+              <a:xfrm>
+                <a:off x="2733958" y="4595091"/>
+                <a:ext cx="1533236" cy="387927"/>
+              </a:xfrm>
+              <a:prstGeom prst="roundRect">
+                <a:avLst/>
+              </a:prstGeom>
+              <a:solidFill>
+                <a:schemeClr val="bg2"/>
+              </a:solidFill>
+              <a:ln w="12700" cap="flat">
+                <a:noFill/>
+                <a:prstDash val="solid"/>
+                <a:miter/>
+              </a:ln>
+            </p:spPr>
+            <p:txBody>
+              <a:bodyPr rtlCol="0" anchor="ctr"/>
+              <a:lstStyle/>
+              <a:p>
+                <a:pPr algn="l"/>
+                <a:endParaRPr lang="ru-RU" dirty="0"/>
+              </a:p>
+            </p:txBody>
+          </p:sp>
+          <p:sp>
+            <p:nvSpPr>
+              <p:cNvPr id="33" name="Скругленный прямоугольник 32"/>
+              <p:cNvSpPr/>
+              <p:nvPr/>
+            </p:nvSpPr>
+            <p:spPr>
+              <a:xfrm>
+                <a:off x="4396503" y="4595091"/>
+                <a:ext cx="1533236" cy="387927"/>
+              </a:xfrm>
+              <a:prstGeom prst="roundRect">
+                <a:avLst/>
+              </a:prstGeom>
+              <a:solidFill>
+                <a:schemeClr val="bg2"/>
+              </a:solidFill>
+              <a:ln w="12700" cap="flat">
+                <a:noFill/>
+                <a:prstDash val="solid"/>
+                <a:miter/>
+              </a:ln>
+            </p:spPr>
+            <p:txBody>
+              <a:bodyPr rtlCol="0" anchor="ctr"/>
+              <a:lstStyle/>
+              <a:p>
+                <a:pPr algn="l"/>
+                <a:endParaRPr lang="ru-RU" dirty="0"/>
+              </a:p>
+            </p:txBody>
+          </p:sp>
+          <p:sp>
+            <p:nvSpPr>
+              <p:cNvPr id="34" name="Скругленный прямоугольник 33"/>
+              <p:cNvSpPr/>
+              <p:nvPr/>
+            </p:nvSpPr>
+            <p:spPr>
+              <a:xfrm>
+                <a:off x="6059048" y="4595091"/>
+                <a:ext cx="1533236" cy="387927"/>
+              </a:xfrm>
+              <a:prstGeom prst="roundRect">
+                <a:avLst/>
+              </a:prstGeom>
+              <a:solidFill>
+                <a:schemeClr val="bg2"/>
+              </a:solidFill>
+              <a:ln w="12700" cap="flat">
+                <a:noFill/>
+                <a:prstDash val="solid"/>
+                <a:miter/>
+              </a:ln>
+            </p:spPr>
+            <p:txBody>
+              <a:bodyPr rtlCol="0" anchor="ctr"/>
+              <a:lstStyle/>
+              <a:p>
+                <a:pPr algn="l"/>
+                <a:endParaRPr lang="ru-RU" dirty="0"/>
+              </a:p>
+            </p:txBody>
+          </p:sp>
+          <p:sp>
+            <p:nvSpPr>
+              <p:cNvPr id="35" name="Скругленный прямоугольник 34"/>
+              <p:cNvSpPr/>
+              <p:nvPr/>
+            </p:nvSpPr>
+            <p:spPr>
+              <a:xfrm>
+                <a:off x="7721593" y="4595091"/>
+                <a:ext cx="1533236" cy="387927"/>
+              </a:xfrm>
+              <a:prstGeom prst="roundRect">
+                <a:avLst/>
+              </a:prstGeom>
+              <a:solidFill>
+                <a:schemeClr val="bg2"/>
+              </a:solidFill>
+              <a:ln w="12700" cap="flat">
+                <a:noFill/>
+                <a:prstDash val="solid"/>
+                <a:miter/>
+              </a:ln>
+            </p:spPr>
+            <p:txBody>
+              <a:bodyPr rtlCol="0" anchor="ctr"/>
+              <a:lstStyle/>
+              <a:p>
+                <a:pPr algn="l"/>
+                <a:endParaRPr lang="ru-RU" dirty="0"/>
+              </a:p>
+            </p:txBody>
+          </p:sp>
+          <p:sp>
+            <p:nvSpPr>
+              <p:cNvPr id="36" name="Скругленный прямоугольник 35"/>
+              <p:cNvSpPr/>
+              <p:nvPr/>
+            </p:nvSpPr>
+            <p:spPr>
+              <a:xfrm>
+                <a:off x="9384138" y="4595091"/>
+                <a:ext cx="1533236" cy="387927"/>
+              </a:xfrm>
+              <a:prstGeom prst="roundRect">
+                <a:avLst/>
+              </a:prstGeom>
+              <a:solidFill>
+                <a:schemeClr val="bg2"/>
+              </a:solidFill>
+              <a:ln w="12700" cap="flat">
+                <a:noFill/>
+                <a:prstDash val="solid"/>
+                <a:miter/>
+              </a:ln>
+            </p:spPr>
+            <p:txBody>
+              <a:bodyPr rtlCol="0" anchor="ctr"/>
+              <a:lstStyle/>
+              <a:p>
+                <a:pPr algn="l"/>
+                <a:endParaRPr lang="ru-RU" dirty="0"/>
+              </a:p>
+            </p:txBody>
+          </p:sp>
+          <p:sp>
+            <p:nvSpPr>
+              <p:cNvPr id="38" name="TextBox 37"/>
+              <p:cNvSpPr txBox="1"/>
+              <p:nvPr/>
+            </p:nvSpPr>
+            <p:spPr>
+              <a:xfrm>
+                <a:off x="814207" y="2474495"/>
+                <a:ext cx="1313368" cy="461665"/>
+              </a:xfrm>
+              <a:prstGeom prst="rect">
+                <a:avLst/>
+              </a:prstGeom>
+              <a:noFill/>
+            </p:spPr>
+            <p:txBody>
+              <a:bodyPr wrap="square" rtlCol="0">
+                <a:spAutoFit/>
+              </a:bodyPr>
+              <a:lstStyle/>
+              <a:p>
+                <a:r>
+                  <a:rPr lang="en-US" sz="2400" dirty="0" smtClean="0"/>
+                  <a:t>data</a:t>
+                </a:r>
+                <a:endParaRPr lang="ru-RU" sz="2400" dirty="0"/>
+              </a:p>
+            </p:txBody>
+          </p:sp>
+          <p:sp>
+            <p:nvSpPr>
+              <p:cNvPr id="39" name="TextBox 38"/>
+              <p:cNvSpPr txBox="1"/>
+              <p:nvPr/>
+            </p:nvSpPr>
+            <p:spPr>
+              <a:xfrm>
+                <a:off x="2930345" y="3014600"/>
+                <a:ext cx="1313368" cy="400110"/>
+              </a:xfrm>
+              <a:prstGeom prst="rect">
+                <a:avLst/>
+              </a:prstGeom>
+              <a:noFill/>
+            </p:spPr>
+            <p:txBody>
+              <a:bodyPr wrap="square" rtlCol="0">
+                <a:spAutoFit/>
+              </a:bodyPr>
+              <a:lstStyle/>
+              <a:p>
+                <a:r>
+                  <a:rPr lang="en-US" sz="2000" dirty="0" err="1" smtClean="0"/>
+                  <a:t>Blogs.db</a:t>
+                </a:r>
+                <a:endParaRPr lang="ru-RU" sz="2000" dirty="0"/>
+              </a:p>
+            </p:txBody>
+          </p:sp>
+          <p:sp>
+            <p:nvSpPr>
+              <p:cNvPr id="40" name="TextBox 39"/>
+              <p:cNvSpPr txBox="1"/>
+              <p:nvPr/>
+            </p:nvSpPr>
+            <p:spPr>
+              <a:xfrm>
+                <a:off x="2945363" y="3545062"/>
+                <a:ext cx="1313368" cy="400110"/>
+              </a:xfrm>
+              <a:prstGeom prst="rect">
+                <a:avLst/>
+              </a:prstGeom>
+              <a:noFill/>
+            </p:spPr>
+            <p:txBody>
+              <a:bodyPr wrap="square" rtlCol="0">
+                <a:spAutoFit/>
+              </a:bodyPr>
+              <a:lstStyle/>
+              <a:p>
+                <a:r>
+                  <a:rPr lang="en-US" sz="2000" dirty="0"/>
+                  <a:t>News.py</a:t>
+                </a:r>
+                <a:endParaRPr lang="ru-RU" sz="2000" dirty="0"/>
+              </a:p>
+            </p:txBody>
+          </p:sp>
+          <p:sp>
+            <p:nvSpPr>
+              <p:cNvPr id="41" name="TextBox 40"/>
+              <p:cNvSpPr txBox="1"/>
+              <p:nvPr/>
+            </p:nvSpPr>
+            <p:spPr>
+              <a:xfrm>
+                <a:off x="3037414" y="4046662"/>
+                <a:ext cx="1313368" cy="461665"/>
+              </a:xfrm>
+              <a:prstGeom prst="rect">
+                <a:avLst/>
+              </a:prstGeom>
+              <a:noFill/>
+            </p:spPr>
+            <p:txBody>
+              <a:bodyPr wrap="square" rtlCol="0">
+                <a:spAutoFit/>
+              </a:bodyPr>
+              <a:lstStyle/>
+              <a:p>
+                <a:r>
+                  <a:rPr lang="en-US" sz="2400" dirty="0" smtClean="0"/>
+                  <a:t>photo</a:t>
+                </a:r>
+                <a:endParaRPr lang="ru-RU" sz="2400" dirty="0"/>
+              </a:p>
+            </p:txBody>
+          </p:sp>
+          <p:sp>
+            <p:nvSpPr>
+              <p:cNvPr id="42" name="TextBox 41"/>
+              <p:cNvSpPr txBox="1"/>
+              <p:nvPr/>
+            </p:nvSpPr>
+            <p:spPr>
+              <a:xfrm>
+                <a:off x="2865337" y="4570916"/>
+                <a:ext cx="1313368" cy="400110"/>
+              </a:xfrm>
+              <a:prstGeom prst="rect">
+                <a:avLst/>
+              </a:prstGeom>
+              <a:noFill/>
+            </p:spPr>
+            <p:txBody>
+              <a:bodyPr wrap="square" rtlCol="0">
+                <a:spAutoFit/>
+              </a:bodyPr>
+              <a:lstStyle/>
+              <a:p>
+                <a:r>
+                  <a:rPr lang="en-US" sz="2000" dirty="0" smtClean="0"/>
+                  <a:t>Base.html</a:t>
+                </a:r>
+                <a:endParaRPr lang="ru-RU" sz="2000" dirty="0"/>
+              </a:p>
+            </p:txBody>
+          </p:sp>
+          <p:sp>
+            <p:nvSpPr>
+              <p:cNvPr id="43" name="TextBox 42"/>
+              <p:cNvSpPr txBox="1"/>
+              <p:nvPr/>
+            </p:nvSpPr>
+            <p:spPr>
+              <a:xfrm>
+                <a:off x="576805" y="5046928"/>
+                <a:ext cx="1313368" cy="461665"/>
+              </a:xfrm>
+              <a:prstGeom prst="rect">
+                <a:avLst/>
+              </a:prstGeom>
+              <a:noFill/>
+            </p:spPr>
+            <p:txBody>
+              <a:bodyPr wrap="square" rtlCol="0">
+                <a:spAutoFit/>
+              </a:bodyPr>
+              <a:lstStyle/>
+              <a:p>
+                <a:r>
+                  <a:rPr lang="en-US" sz="2400" dirty="0" smtClean="0"/>
+                  <a:t>Main.py</a:t>
+                </a:r>
+                <a:endParaRPr lang="ru-RU" sz="2400" dirty="0"/>
+              </a:p>
+            </p:txBody>
+          </p:sp>
+          <p:sp>
+            <p:nvSpPr>
+              <p:cNvPr id="44" name="TextBox 43"/>
+              <p:cNvSpPr txBox="1"/>
+              <p:nvPr/>
+            </p:nvSpPr>
+            <p:spPr>
+              <a:xfrm>
+                <a:off x="552769" y="5580481"/>
+                <a:ext cx="1510249" cy="461665"/>
+              </a:xfrm>
+              <a:prstGeom prst="rect">
+                <a:avLst/>
+              </a:prstGeom>
+              <a:noFill/>
+            </p:spPr>
+            <p:txBody>
+              <a:bodyPr wrap="square" rtlCol="0">
+                <a:spAutoFit/>
+              </a:bodyPr>
+              <a:lstStyle/>
+              <a:p>
+                <a:r>
+                  <a:rPr lang="en-US" sz="2400" dirty="0" smtClean="0"/>
+                  <a:t>Style.css</a:t>
+                </a:r>
+                <a:endParaRPr lang="ru-RU" sz="2400" dirty="0"/>
+              </a:p>
+            </p:txBody>
+          </p:sp>
+          <p:sp>
+            <p:nvSpPr>
+              <p:cNvPr id="45" name="TextBox 44"/>
+              <p:cNvSpPr txBox="1"/>
+              <p:nvPr/>
+            </p:nvSpPr>
+            <p:spPr>
+              <a:xfrm>
+                <a:off x="2728742" y="2529633"/>
+                <a:ext cx="1610844" cy="307777"/>
+              </a:xfrm>
+              <a:prstGeom prst="rect">
+                <a:avLst/>
+              </a:prstGeom>
+              <a:noFill/>
+            </p:spPr>
+            <p:txBody>
+              <a:bodyPr wrap="square" rtlCol="0">
+                <a:spAutoFit/>
+              </a:bodyPr>
+              <a:lstStyle/>
+              <a:p>
+                <a:r>
+                  <a:rPr lang="en-US" sz="1400" dirty="0" smtClean="0"/>
+                  <a:t>__all_models.py</a:t>
+                </a:r>
+                <a:endParaRPr lang="ru-RU" sz="1400" dirty="0"/>
+              </a:p>
+            </p:txBody>
+          </p:sp>
+          <p:sp>
+            <p:nvSpPr>
+              <p:cNvPr id="46" name="TextBox 45"/>
+              <p:cNvSpPr txBox="1"/>
+              <p:nvPr/>
+            </p:nvSpPr>
+            <p:spPr>
+              <a:xfrm>
+                <a:off x="4588859" y="2514244"/>
+                <a:ext cx="1313368" cy="338554"/>
+              </a:xfrm>
+              <a:prstGeom prst="rect">
+                <a:avLst/>
+              </a:prstGeom>
+              <a:noFill/>
+            </p:spPr>
+            <p:txBody>
+              <a:bodyPr wrap="square" rtlCol="0">
+                <a:spAutoFit/>
+              </a:bodyPr>
+              <a:lstStyle/>
+              <a:p>
+                <a:r>
+                  <a:rPr lang="en-US" sz="1600" dirty="0"/>
+                  <a:t>c</a:t>
+                </a:r>
+                <a:r>
+                  <a:rPr lang="en-US" sz="1600" dirty="0" smtClean="0"/>
+                  <a:t>ategory.py</a:t>
+                </a:r>
+                <a:endParaRPr lang="ru-RU" sz="1600" dirty="0"/>
+              </a:p>
+            </p:txBody>
+          </p:sp>
+          <p:sp>
+            <p:nvSpPr>
+              <p:cNvPr id="47" name="TextBox 46"/>
+              <p:cNvSpPr txBox="1"/>
+              <p:nvPr/>
+            </p:nvSpPr>
+            <p:spPr>
+              <a:xfrm>
+                <a:off x="6090071" y="2534563"/>
+                <a:ext cx="1573979" cy="338554"/>
+              </a:xfrm>
+              <a:prstGeom prst="rect">
+                <a:avLst/>
+              </a:prstGeom>
+              <a:noFill/>
+            </p:spPr>
+            <p:txBody>
+              <a:bodyPr wrap="square" rtlCol="0">
+                <a:spAutoFit/>
+              </a:bodyPr>
+              <a:lstStyle/>
+              <a:p>
+                <a:r>
+                  <a:rPr lang="en-US" sz="1600" dirty="0"/>
+                  <a:t>d</a:t>
+                </a:r>
+                <a:r>
+                  <a:rPr lang="en-US" sz="1600" dirty="0" smtClean="0"/>
+                  <a:t>b_session.py</a:t>
+                </a:r>
+                <a:endParaRPr lang="ru-RU" sz="1600" dirty="0"/>
+              </a:p>
+            </p:txBody>
+          </p:sp>
+          <p:sp>
+            <p:nvSpPr>
+              <p:cNvPr id="48" name="TextBox 47"/>
+              <p:cNvSpPr txBox="1"/>
+              <p:nvPr/>
+            </p:nvSpPr>
+            <p:spPr>
+              <a:xfrm>
+                <a:off x="7941461" y="2491103"/>
+                <a:ext cx="1313368" cy="369332"/>
+              </a:xfrm>
+              <a:prstGeom prst="rect">
+                <a:avLst/>
+              </a:prstGeom>
+              <a:noFill/>
+            </p:spPr>
+            <p:txBody>
+              <a:bodyPr wrap="square" rtlCol="0">
+                <a:spAutoFit/>
+              </a:bodyPr>
+              <a:lstStyle/>
+              <a:p>
+                <a:r>
+                  <a:rPr lang="en-US" dirty="0" smtClean="0"/>
+                  <a:t>News.py</a:t>
+                </a:r>
+                <a:endParaRPr lang="ru-RU" dirty="0"/>
+              </a:p>
+            </p:txBody>
+          </p:sp>
+          <p:sp>
+            <p:nvSpPr>
+              <p:cNvPr id="51" name="TextBox 50"/>
+              <p:cNvSpPr txBox="1"/>
+              <p:nvPr/>
+            </p:nvSpPr>
+            <p:spPr>
+              <a:xfrm>
+                <a:off x="9645379" y="2509452"/>
+                <a:ext cx="1313368" cy="369332"/>
+              </a:xfrm>
+              <a:prstGeom prst="rect">
+                <a:avLst/>
+              </a:prstGeom>
+              <a:noFill/>
+            </p:spPr>
+            <p:txBody>
+              <a:bodyPr wrap="square" rtlCol="0">
+                <a:spAutoFit/>
+              </a:bodyPr>
+              <a:lstStyle/>
+              <a:p>
+                <a:r>
+                  <a:rPr lang="en-US" dirty="0" smtClean="0"/>
+                  <a:t>Users.py</a:t>
+                </a:r>
+                <a:endParaRPr lang="ru-RU" dirty="0"/>
+              </a:p>
+            </p:txBody>
+          </p:sp>
+          <p:sp>
+            <p:nvSpPr>
+              <p:cNvPr id="60" name="TextBox 59"/>
+              <p:cNvSpPr txBox="1"/>
+              <p:nvPr/>
+            </p:nvSpPr>
+            <p:spPr>
+              <a:xfrm>
+                <a:off x="923040" y="2984196"/>
+                <a:ext cx="1313368" cy="461665"/>
+              </a:xfrm>
+              <a:prstGeom prst="rect">
+                <a:avLst/>
+              </a:prstGeom>
+              <a:noFill/>
+            </p:spPr>
+            <p:txBody>
+              <a:bodyPr wrap="square" rtlCol="0">
+                <a:spAutoFit/>
+              </a:bodyPr>
+              <a:lstStyle/>
+              <a:p>
+                <a:r>
+                  <a:rPr lang="en-US" sz="2400" dirty="0" err="1" smtClean="0"/>
+                  <a:t>db</a:t>
+                </a:r>
+                <a:endParaRPr lang="ru-RU" sz="2400" dirty="0"/>
+              </a:p>
+            </p:txBody>
+          </p:sp>
+          <p:sp>
+            <p:nvSpPr>
+              <p:cNvPr id="61" name="TextBox 60"/>
+              <p:cNvSpPr txBox="1"/>
+              <p:nvPr/>
+            </p:nvSpPr>
+            <p:spPr>
+              <a:xfrm>
+                <a:off x="762168" y="3483507"/>
+                <a:ext cx="1313368" cy="461665"/>
+              </a:xfrm>
+              <a:prstGeom prst="rect">
+                <a:avLst/>
+              </a:prstGeom>
+              <a:noFill/>
+            </p:spPr>
+            <p:txBody>
+              <a:bodyPr wrap="square" rtlCol="0">
+                <a:spAutoFit/>
+              </a:bodyPr>
+              <a:lstStyle/>
+              <a:p>
+                <a:r>
+                  <a:rPr lang="en-US" sz="2400" dirty="0" smtClean="0"/>
+                  <a:t>forms</a:t>
+                </a:r>
+                <a:endParaRPr lang="ru-RU" sz="2400" dirty="0"/>
+              </a:p>
+            </p:txBody>
+          </p:sp>
+          <p:sp>
+            <p:nvSpPr>
+              <p:cNvPr id="62" name="TextBox 61"/>
+              <p:cNvSpPr txBox="1"/>
+              <p:nvPr/>
+            </p:nvSpPr>
+            <p:spPr>
+              <a:xfrm>
+                <a:off x="762168" y="4020081"/>
+                <a:ext cx="1313368" cy="461665"/>
+              </a:xfrm>
+              <a:prstGeom prst="rect">
+                <a:avLst/>
+              </a:prstGeom>
+              <a:noFill/>
+            </p:spPr>
+            <p:txBody>
+              <a:bodyPr wrap="square" rtlCol="0">
+                <a:spAutoFit/>
+              </a:bodyPr>
+              <a:lstStyle/>
+              <a:p>
+                <a:r>
+                  <a:rPr lang="en-US" sz="2400" dirty="0" smtClean="0"/>
+                  <a:t>static</a:t>
+                </a:r>
+                <a:endParaRPr lang="ru-RU" sz="2400" dirty="0"/>
+              </a:p>
+            </p:txBody>
+          </p:sp>
+          <p:sp>
+            <p:nvSpPr>
+              <p:cNvPr id="63" name="TextBox 62"/>
+              <p:cNvSpPr txBox="1"/>
+              <p:nvPr/>
+            </p:nvSpPr>
+            <p:spPr>
+              <a:xfrm>
+                <a:off x="576805" y="4574184"/>
+                <a:ext cx="1313368" cy="400110"/>
+              </a:xfrm>
+              <a:prstGeom prst="rect">
+                <a:avLst/>
+              </a:prstGeom>
+              <a:noFill/>
+            </p:spPr>
+            <p:txBody>
+              <a:bodyPr wrap="square" rtlCol="0">
+                <a:spAutoFit/>
+              </a:bodyPr>
+              <a:lstStyle/>
+              <a:p>
+                <a:r>
+                  <a:rPr lang="en-US" sz="2000" dirty="0" smtClean="0"/>
+                  <a:t>templates</a:t>
+                </a:r>
+                <a:endParaRPr lang="ru-RU" sz="2000" dirty="0"/>
+              </a:p>
+            </p:txBody>
+          </p:sp>
+          <p:sp>
+            <p:nvSpPr>
+              <p:cNvPr id="64" name="TextBox 63"/>
+              <p:cNvSpPr txBox="1"/>
+              <p:nvPr/>
+            </p:nvSpPr>
+            <p:spPr>
+              <a:xfrm>
+                <a:off x="4610118" y="3534739"/>
+                <a:ext cx="1313368" cy="400110"/>
+              </a:xfrm>
+              <a:prstGeom prst="rect">
+                <a:avLst/>
+              </a:prstGeom>
+              <a:noFill/>
+            </p:spPr>
+            <p:txBody>
+              <a:bodyPr wrap="square" rtlCol="0">
+                <a:spAutoFit/>
+              </a:bodyPr>
+              <a:lstStyle/>
+              <a:p>
+                <a:r>
+                  <a:rPr lang="en-US" sz="2000" dirty="0"/>
+                  <a:t>Users.py</a:t>
+                </a:r>
+                <a:endParaRPr lang="ru-RU" sz="2000" dirty="0"/>
+              </a:p>
+            </p:txBody>
+          </p:sp>
+          <p:sp>
+            <p:nvSpPr>
+              <p:cNvPr id="66" name="TextBox 65"/>
+              <p:cNvSpPr txBox="1"/>
+              <p:nvPr/>
+            </p:nvSpPr>
+            <p:spPr>
+              <a:xfrm>
+                <a:off x="4474355" y="4570916"/>
+                <a:ext cx="1666187" cy="400110"/>
+              </a:xfrm>
+              <a:prstGeom prst="rect">
+                <a:avLst/>
+              </a:prstGeom>
+              <a:noFill/>
+            </p:spPr>
+            <p:txBody>
+              <a:bodyPr wrap="square" rtlCol="0">
+                <a:spAutoFit/>
+              </a:bodyPr>
+              <a:lstStyle/>
+              <a:p>
+                <a:r>
+                  <a:rPr lang="en-US" sz="2000" dirty="0" smtClean="0"/>
+                  <a:t>Index.html</a:t>
+                </a:r>
+                <a:endParaRPr lang="ru-RU" sz="2000" dirty="0"/>
+              </a:p>
+            </p:txBody>
+          </p:sp>
+          <p:sp>
+            <p:nvSpPr>
+              <p:cNvPr id="67" name="TextBox 66"/>
+              <p:cNvSpPr txBox="1"/>
+              <p:nvPr/>
+            </p:nvSpPr>
+            <p:spPr>
+              <a:xfrm>
+                <a:off x="6146736" y="4577815"/>
+                <a:ext cx="1572758" cy="400110"/>
+              </a:xfrm>
+              <a:prstGeom prst="rect">
+                <a:avLst/>
+              </a:prstGeom>
+              <a:noFill/>
+            </p:spPr>
+            <p:txBody>
+              <a:bodyPr wrap="square" rtlCol="0">
+                <a:spAutoFit/>
+              </a:bodyPr>
+              <a:lstStyle/>
+              <a:p>
+                <a:r>
+                  <a:rPr lang="en-US" sz="2000" dirty="0" smtClean="0"/>
+                  <a:t>Login.html</a:t>
+                </a:r>
+                <a:endParaRPr lang="ru-RU" sz="2000" dirty="0"/>
+              </a:p>
+            </p:txBody>
+          </p:sp>
+          <p:sp>
+            <p:nvSpPr>
+              <p:cNvPr id="68" name="TextBox 67"/>
+              <p:cNvSpPr txBox="1"/>
+              <p:nvPr/>
+            </p:nvSpPr>
+            <p:spPr>
+              <a:xfrm>
+                <a:off x="7800882" y="4570916"/>
+                <a:ext cx="1678122" cy="400110"/>
+              </a:xfrm>
+              <a:prstGeom prst="rect">
+                <a:avLst/>
+              </a:prstGeom>
+              <a:noFill/>
+            </p:spPr>
+            <p:txBody>
+              <a:bodyPr wrap="square" rtlCol="0">
+                <a:spAutoFit/>
+              </a:bodyPr>
+              <a:lstStyle/>
+              <a:p>
+                <a:r>
+                  <a:rPr lang="en-US" sz="2000" dirty="0" smtClean="0"/>
+                  <a:t>News.html</a:t>
+                </a:r>
+                <a:endParaRPr lang="ru-RU" sz="2000" dirty="0"/>
+              </a:p>
+            </p:txBody>
+          </p:sp>
+          <p:sp>
+            <p:nvSpPr>
+              <p:cNvPr id="69" name="TextBox 68"/>
+              <p:cNvSpPr txBox="1"/>
+              <p:nvPr/>
+            </p:nvSpPr>
+            <p:spPr>
+              <a:xfrm>
+                <a:off x="9312532" y="4577815"/>
+                <a:ext cx="1746351" cy="400110"/>
+              </a:xfrm>
+              <a:prstGeom prst="rect">
+                <a:avLst/>
+              </a:prstGeom>
+              <a:noFill/>
+            </p:spPr>
+            <p:txBody>
+              <a:bodyPr wrap="square" rtlCol="0">
+                <a:spAutoFit/>
+              </a:bodyPr>
+              <a:lstStyle/>
+              <a:p>
+                <a:r>
+                  <a:rPr lang="en-US" sz="2000" dirty="0" smtClean="0"/>
+                  <a:t>Register.html</a:t>
+                </a:r>
+                <a:endParaRPr lang="ru-RU" sz="2000" dirty="0"/>
+              </a:p>
+            </p:txBody>
+          </p:sp>
+          <p:sp>
+            <p:nvSpPr>
+              <p:cNvPr id="70" name="TextBox 69"/>
+              <p:cNvSpPr txBox="1"/>
+              <p:nvPr/>
+            </p:nvSpPr>
+            <p:spPr>
+              <a:xfrm>
+                <a:off x="5146378" y="4039665"/>
+                <a:ext cx="1313368" cy="400110"/>
+              </a:xfrm>
+              <a:prstGeom prst="rect">
+                <a:avLst/>
+              </a:prstGeom>
+              <a:noFill/>
+            </p:spPr>
+            <p:txBody>
+              <a:bodyPr wrap="square" rtlCol="0">
+                <a:spAutoFit/>
+              </a:bodyPr>
+              <a:lstStyle/>
+              <a:p>
+                <a:r>
+                  <a:rPr lang="en-US" sz="2000" dirty="0" smtClean="0"/>
+                  <a:t>Logo.png</a:t>
+                </a:r>
+                <a:endParaRPr lang="ru-RU" sz="2000" dirty="0"/>
+              </a:p>
+            </p:txBody>
+          </p:sp>
+        </p:grpSp>
+        <p:sp>
+          <p:nvSpPr>
+            <p:cNvPr id="73" name="TextBox 72"/>
+            <p:cNvSpPr txBox="1"/>
+            <p:nvPr/>
+          </p:nvSpPr>
+          <p:spPr>
+            <a:xfrm>
+              <a:off x="10740050" y="4702942"/>
+              <a:ext cx="1660270" cy="338554"/>
+            </a:xfrm>
+            <a:prstGeom prst="rect">
+              <a:avLst/>
+            </a:prstGeom>
             <a:noFill/>
-            <a:prstDash val="solid"/>
-            <a:miter/>
-          </a:ln>
-        </p:spPr>
-        <p:txBody>
-          <a:bodyPr rtlCol="0" anchor="ctr"/>
-          <a:lstStyle/>
-          <a:p>
-            <a:pPr algn="l"/>
-            <a:endParaRPr lang="ru-RU" dirty="0"/>
-          </a:p>
-        </p:txBody>
-      </p:sp>
-      <p:sp>
-        <p:nvSpPr>
-          <p:cNvPr id="9" name="Скругленный прямоугольник 8"/>
-          <p:cNvSpPr/>
-          <p:nvPr/>
-        </p:nvSpPr>
-        <p:spPr>
-          <a:xfrm>
-            <a:off x="471055" y="3559741"/>
-            <a:ext cx="1533236" cy="387927"/>
-          </a:xfrm>
-          <a:prstGeom prst="roundRect">
-            <a:avLst/>
-          </a:prstGeom>
-          <a:solidFill>
-            <a:schemeClr val="bg2"/>
-          </a:solidFill>
-          <a:ln w="12700" cap="flat">
-            <a:noFill/>
-            <a:prstDash val="solid"/>
-            <a:miter/>
-          </a:ln>
-        </p:spPr>
-        <p:txBody>
-          <a:bodyPr rtlCol="0" anchor="ctr"/>
-          <a:lstStyle/>
-          <a:p>
-            <a:pPr algn="l"/>
-            <a:endParaRPr lang="ru-RU" dirty="0"/>
-          </a:p>
-        </p:txBody>
-      </p:sp>
-      <p:sp>
-        <p:nvSpPr>
-          <p:cNvPr id="10" name="Скругленный прямоугольник 9"/>
-          <p:cNvSpPr/>
-          <p:nvPr/>
-        </p:nvSpPr>
-        <p:spPr>
-          <a:xfrm>
-            <a:off x="471055" y="4077416"/>
-            <a:ext cx="1533236" cy="387927"/>
-          </a:xfrm>
-          <a:prstGeom prst="roundRect">
-            <a:avLst/>
-          </a:prstGeom>
-          <a:solidFill>
-            <a:schemeClr val="bg2"/>
-          </a:solidFill>
-          <a:ln w="12700" cap="flat">
-            <a:noFill/>
-            <a:prstDash val="solid"/>
-            <a:miter/>
-          </a:ln>
-        </p:spPr>
-        <p:txBody>
-          <a:bodyPr rtlCol="0" anchor="ctr"/>
-          <a:lstStyle/>
-          <a:p>
-            <a:pPr algn="l"/>
-            <a:endParaRPr lang="ru-RU" dirty="0"/>
-          </a:p>
-        </p:txBody>
-      </p:sp>
-      <p:sp>
-        <p:nvSpPr>
-          <p:cNvPr id="11" name="Скругленный прямоугольник 10"/>
-          <p:cNvSpPr/>
-          <p:nvPr/>
-        </p:nvSpPr>
-        <p:spPr>
-          <a:xfrm>
-            <a:off x="471055" y="4595091"/>
-            <a:ext cx="1533236" cy="387927"/>
-          </a:xfrm>
-          <a:prstGeom prst="roundRect">
-            <a:avLst/>
-          </a:prstGeom>
-          <a:solidFill>
-            <a:schemeClr val="bg2"/>
-          </a:solidFill>
-          <a:ln w="12700" cap="flat">
-            <a:noFill/>
-            <a:prstDash val="solid"/>
-            <a:miter/>
-          </a:ln>
-        </p:spPr>
-        <p:txBody>
-          <a:bodyPr rtlCol="0" anchor="ctr"/>
-          <a:lstStyle/>
-          <a:p>
-            <a:pPr algn="l"/>
-            <a:endParaRPr lang="ru-RU" dirty="0"/>
-          </a:p>
-        </p:txBody>
-      </p:sp>
-      <p:sp>
-        <p:nvSpPr>
-          <p:cNvPr id="12" name="Скругленный прямоугольник 11"/>
-          <p:cNvSpPr/>
-          <p:nvPr/>
-        </p:nvSpPr>
-        <p:spPr>
-          <a:xfrm>
-            <a:off x="471055" y="5118816"/>
-            <a:ext cx="1533236" cy="387927"/>
-          </a:xfrm>
-          <a:prstGeom prst="roundRect">
-            <a:avLst/>
-          </a:prstGeom>
-          <a:solidFill>
-            <a:schemeClr val="bg2"/>
-          </a:solidFill>
-          <a:ln w="12700" cap="flat">
-            <a:noFill/>
-            <a:prstDash val="solid"/>
-            <a:miter/>
-          </a:ln>
-        </p:spPr>
-        <p:txBody>
-          <a:bodyPr rtlCol="0" anchor="ctr"/>
-          <a:lstStyle/>
-          <a:p>
-            <a:pPr algn="l"/>
-            <a:endParaRPr lang="ru-RU" dirty="0"/>
-          </a:p>
-        </p:txBody>
-      </p:sp>
-      <p:sp>
-        <p:nvSpPr>
-          <p:cNvPr id="13" name="Скругленный прямоугольник 12"/>
-          <p:cNvSpPr/>
-          <p:nvPr/>
-        </p:nvSpPr>
-        <p:spPr>
-          <a:xfrm>
-            <a:off x="471055" y="5636491"/>
-            <a:ext cx="1533236" cy="387927"/>
-          </a:xfrm>
-          <a:prstGeom prst="roundRect">
-            <a:avLst/>
-          </a:prstGeom>
-          <a:solidFill>
-            <a:schemeClr val="bg2"/>
-          </a:solidFill>
-          <a:ln w="12700" cap="flat">
-            <a:noFill/>
-            <a:prstDash val="solid"/>
-            <a:miter/>
-          </a:ln>
-        </p:spPr>
-        <p:txBody>
-          <a:bodyPr rtlCol="0" anchor="ctr"/>
-          <a:lstStyle/>
-          <a:p>
-            <a:pPr algn="l"/>
-            <a:endParaRPr lang="ru-RU" dirty="0"/>
-          </a:p>
-        </p:txBody>
-      </p:sp>
-      <p:sp>
-        <p:nvSpPr>
-          <p:cNvPr id="15" name="Скругленный прямоугольник 14"/>
-          <p:cNvSpPr/>
-          <p:nvPr/>
-        </p:nvSpPr>
-        <p:spPr>
-          <a:xfrm>
-            <a:off x="2747819" y="2512290"/>
-            <a:ext cx="1533236" cy="387927"/>
-          </a:xfrm>
-          <a:prstGeom prst="roundRect">
-            <a:avLst/>
-          </a:prstGeom>
-          <a:solidFill>
-            <a:schemeClr val="bg2"/>
-          </a:solidFill>
-          <a:ln w="12700" cap="flat">
-            <a:noFill/>
-            <a:prstDash val="solid"/>
-            <a:miter/>
-          </a:ln>
-        </p:spPr>
-        <p:txBody>
-          <a:bodyPr rtlCol="0" anchor="ctr"/>
-          <a:lstStyle/>
-          <a:p>
-            <a:pPr algn="l"/>
-            <a:endParaRPr lang="ru-RU" dirty="0"/>
-          </a:p>
-        </p:txBody>
-      </p:sp>
-      <p:sp>
-        <p:nvSpPr>
-          <p:cNvPr id="16" name="Скругленный прямоугольник 15"/>
-          <p:cNvSpPr/>
-          <p:nvPr/>
-        </p:nvSpPr>
-        <p:spPr>
-          <a:xfrm>
-            <a:off x="4410364" y="2512290"/>
-            <a:ext cx="1533236" cy="387927"/>
-          </a:xfrm>
-          <a:prstGeom prst="roundRect">
-            <a:avLst/>
-          </a:prstGeom>
-          <a:solidFill>
-            <a:schemeClr val="bg2"/>
-          </a:solidFill>
-          <a:ln w="12700" cap="flat">
-            <a:noFill/>
-            <a:prstDash val="solid"/>
-            <a:miter/>
-          </a:ln>
-        </p:spPr>
-        <p:txBody>
-          <a:bodyPr rtlCol="0" anchor="ctr"/>
-          <a:lstStyle/>
-          <a:p>
-            <a:pPr algn="l"/>
-            <a:endParaRPr lang="ru-RU" dirty="0"/>
-          </a:p>
-        </p:txBody>
-      </p:sp>
-      <p:sp>
-        <p:nvSpPr>
-          <p:cNvPr id="17" name="Скругленный прямоугольник 16"/>
-          <p:cNvSpPr/>
-          <p:nvPr/>
-        </p:nvSpPr>
-        <p:spPr>
-          <a:xfrm>
-            <a:off x="6072909" y="2512290"/>
-            <a:ext cx="1533236" cy="387927"/>
-          </a:xfrm>
-          <a:prstGeom prst="roundRect">
-            <a:avLst/>
-          </a:prstGeom>
-          <a:solidFill>
-            <a:schemeClr val="bg2"/>
-          </a:solidFill>
-          <a:ln w="12700" cap="flat">
-            <a:noFill/>
-            <a:prstDash val="solid"/>
-            <a:miter/>
-          </a:ln>
-        </p:spPr>
-        <p:txBody>
-          <a:bodyPr rtlCol="0" anchor="ctr"/>
-          <a:lstStyle/>
-          <a:p>
-            <a:pPr algn="l"/>
-            <a:endParaRPr lang="ru-RU" dirty="0"/>
-          </a:p>
-        </p:txBody>
-      </p:sp>
-      <p:sp>
-        <p:nvSpPr>
-          <p:cNvPr id="18" name="Скругленный прямоугольник 17"/>
-          <p:cNvSpPr/>
-          <p:nvPr/>
-        </p:nvSpPr>
-        <p:spPr>
-          <a:xfrm>
-            <a:off x="7735454" y="2512290"/>
-            <a:ext cx="1533236" cy="387927"/>
-          </a:xfrm>
-          <a:prstGeom prst="roundRect">
-            <a:avLst/>
-          </a:prstGeom>
-          <a:solidFill>
-            <a:schemeClr val="bg2"/>
-          </a:solidFill>
-          <a:ln w="12700" cap="flat">
-            <a:noFill/>
-            <a:prstDash val="solid"/>
-            <a:miter/>
-          </a:ln>
-        </p:spPr>
-        <p:txBody>
-          <a:bodyPr rtlCol="0" anchor="ctr"/>
-          <a:lstStyle/>
-          <a:p>
-            <a:pPr algn="l"/>
-            <a:endParaRPr lang="ru-RU" dirty="0"/>
-          </a:p>
-        </p:txBody>
-      </p:sp>
-      <p:sp>
-        <p:nvSpPr>
-          <p:cNvPr id="19" name="Скругленный прямоугольник 18"/>
-          <p:cNvSpPr/>
-          <p:nvPr/>
-        </p:nvSpPr>
-        <p:spPr>
-          <a:xfrm>
-            <a:off x="9397999" y="2512290"/>
-            <a:ext cx="1533236" cy="387927"/>
-          </a:xfrm>
-          <a:prstGeom prst="roundRect">
-            <a:avLst/>
-          </a:prstGeom>
-          <a:solidFill>
-            <a:schemeClr val="bg2"/>
-          </a:solidFill>
-          <a:ln w="12700" cap="flat">
-            <a:noFill/>
-            <a:prstDash val="solid"/>
-            <a:miter/>
-          </a:ln>
-        </p:spPr>
-        <p:txBody>
-          <a:bodyPr rtlCol="0" anchor="ctr"/>
-          <a:lstStyle/>
-          <a:p>
-            <a:pPr algn="l"/>
-            <a:endParaRPr lang="ru-RU" dirty="0"/>
-          </a:p>
-        </p:txBody>
-      </p:sp>
-      <p:sp>
-        <p:nvSpPr>
-          <p:cNvPr id="20" name="Скругленный прямоугольник 19"/>
-          <p:cNvSpPr/>
-          <p:nvPr/>
-        </p:nvSpPr>
-        <p:spPr>
-          <a:xfrm>
-            <a:off x="2747819" y="3032991"/>
-            <a:ext cx="1533236" cy="387927"/>
-          </a:xfrm>
-          <a:prstGeom prst="roundRect">
-            <a:avLst/>
-          </a:prstGeom>
-          <a:solidFill>
-            <a:schemeClr val="bg2"/>
-          </a:solidFill>
-          <a:ln w="12700" cap="flat">
-            <a:noFill/>
-            <a:prstDash val="solid"/>
-            <a:miter/>
-          </a:ln>
-        </p:spPr>
-        <p:txBody>
-          <a:bodyPr rtlCol="0" anchor="ctr"/>
-          <a:lstStyle/>
-          <a:p>
-            <a:pPr algn="l"/>
-            <a:endParaRPr lang="ru-RU" dirty="0"/>
-          </a:p>
-        </p:txBody>
-      </p:sp>
-      <p:cxnSp>
-        <p:nvCxnSpPr>
-          <p:cNvPr id="21" name="Прямая со стрелкой 20"/>
-          <p:cNvCxnSpPr/>
-          <p:nvPr/>
-        </p:nvCxnSpPr>
-        <p:spPr>
-          <a:xfrm>
-            <a:off x="2142836" y="2706253"/>
-            <a:ext cx="461819" cy="0"/>
-          </a:xfrm>
-          <a:prstGeom prst="straightConnector1">
-            <a:avLst/>
-          </a:prstGeom>
-          <a:ln w="57150">
-            <a:solidFill>
-              <a:schemeClr val="bg1">
-                <a:lumMod val="95000"/>
-              </a:schemeClr>
-            </a:solidFill>
-            <a:tailEnd type="triangle"/>
-          </a:ln>
-        </p:spPr>
-        <p:style>
-          <a:lnRef idx="1">
-            <a:schemeClr val="accent1"/>
-          </a:lnRef>
-          <a:fillRef idx="0">
-            <a:schemeClr val="accent1"/>
-          </a:fillRef>
-          <a:effectRef idx="0">
-            <a:schemeClr val="accent1"/>
-          </a:effectRef>
-          <a:fontRef idx="minor">
-            <a:schemeClr val="tx1"/>
-          </a:fontRef>
-        </p:style>
-      </p:cxnSp>
-      <p:cxnSp>
-        <p:nvCxnSpPr>
-          <p:cNvPr id="22" name="Прямая со стрелкой 21"/>
-          <p:cNvCxnSpPr/>
-          <p:nvPr/>
-        </p:nvCxnSpPr>
-        <p:spPr>
-          <a:xfrm>
-            <a:off x="2142835" y="3226954"/>
-            <a:ext cx="461819" cy="0"/>
-          </a:xfrm>
-          <a:prstGeom prst="straightConnector1">
-            <a:avLst/>
-          </a:prstGeom>
-          <a:ln w="57150">
-            <a:solidFill>
-              <a:schemeClr val="bg1">
-                <a:lumMod val="95000"/>
-              </a:schemeClr>
-            </a:solidFill>
-            <a:tailEnd type="triangle"/>
-          </a:ln>
-        </p:spPr>
-        <p:style>
-          <a:lnRef idx="1">
-            <a:schemeClr val="accent1"/>
-          </a:lnRef>
-          <a:fillRef idx="0">
-            <a:schemeClr val="accent1"/>
-          </a:fillRef>
-          <a:effectRef idx="0">
-            <a:schemeClr val="accent1"/>
-          </a:effectRef>
-          <a:fontRef idx="minor">
-            <a:schemeClr val="tx1"/>
-          </a:fontRef>
-        </p:style>
-      </p:cxnSp>
-      <p:cxnSp>
-        <p:nvCxnSpPr>
-          <p:cNvPr id="23" name="Прямая со стрелкой 22"/>
-          <p:cNvCxnSpPr/>
-          <p:nvPr/>
-        </p:nvCxnSpPr>
-        <p:spPr>
-          <a:xfrm>
-            <a:off x="2142835" y="3780258"/>
-            <a:ext cx="461819" cy="0"/>
-          </a:xfrm>
-          <a:prstGeom prst="straightConnector1">
-            <a:avLst/>
-          </a:prstGeom>
-          <a:ln w="57150">
-            <a:solidFill>
-              <a:schemeClr val="bg1">
-                <a:lumMod val="95000"/>
-              </a:schemeClr>
-            </a:solidFill>
-            <a:tailEnd type="triangle"/>
-          </a:ln>
-        </p:spPr>
-        <p:style>
-          <a:lnRef idx="1">
-            <a:schemeClr val="accent1"/>
-          </a:lnRef>
-          <a:fillRef idx="0">
-            <a:schemeClr val="accent1"/>
-          </a:fillRef>
-          <a:effectRef idx="0">
-            <a:schemeClr val="accent1"/>
-          </a:effectRef>
-          <a:fontRef idx="minor">
-            <a:schemeClr val="tx1"/>
-          </a:fontRef>
-        </p:style>
-      </p:cxnSp>
-      <p:cxnSp>
-        <p:nvCxnSpPr>
-          <p:cNvPr id="24" name="Прямая со стрелкой 23"/>
-          <p:cNvCxnSpPr/>
-          <p:nvPr/>
-        </p:nvCxnSpPr>
-        <p:spPr>
-          <a:xfrm>
-            <a:off x="2119743" y="4271379"/>
-            <a:ext cx="461819" cy="0"/>
-          </a:xfrm>
-          <a:prstGeom prst="straightConnector1">
-            <a:avLst/>
-          </a:prstGeom>
-          <a:ln w="57150">
-            <a:solidFill>
-              <a:schemeClr val="bg1">
-                <a:lumMod val="95000"/>
-              </a:schemeClr>
-            </a:solidFill>
-            <a:tailEnd type="triangle"/>
-          </a:ln>
-        </p:spPr>
-        <p:style>
-          <a:lnRef idx="1">
-            <a:schemeClr val="accent1"/>
-          </a:lnRef>
-          <a:fillRef idx="0">
-            <a:schemeClr val="accent1"/>
-          </a:fillRef>
-          <a:effectRef idx="0">
-            <a:schemeClr val="accent1"/>
-          </a:effectRef>
-          <a:fontRef idx="minor">
-            <a:schemeClr val="tx1"/>
-          </a:fontRef>
-        </p:style>
-      </p:cxnSp>
-      <p:cxnSp>
-        <p:nvCxnSpPr>
-          <p:cNvPr id="25" name="Прямая со стрелкой 24"/>
-          <p:cNvCxnSpPr/>
-          <p:nvPr/>
-        </p:nvCxnSpPr>
-        <p:spPr>
-          <a:xfrm>
-            <a:off x="2138215" y="4789054"/>
-            <a:ext cx="461819" cy="0"/>
-          </a:xfrm>
-          <a:prstGeom prst="straightConnector1">
-            <a:avLst/>
-          </a:prstGeom>
-          <a:ln w="57150">
-            <a:solidFill>
-              <a:schemeClr val="bg1">
-                <a:lumMod val="95000"/>
-              </a:schemeClr>
-            </a:solidFill>
-            <a:tailEnd type="triangle"/>
-          </a:ln>
-        </p:spPr>
-        <p:style>
-          <a:lnRef idx="1">
-            <a:schemeClr val="accent1"/>
-          </a:lnRef>
-          <a:fillRef idx="0">
-            <a:schemeClr val="accent1"/>
-          </a:fillRef>
-          <a:effectRef idx="0">
-            <a:schemeClr val="accent1"/>
-          </a:effectRef>
-          <a:fontRef idx="minor">
-            <a:schemeClr val="tx1"/>
-          </a:fontRef>
-        </p:style>
-      </p:cxnSp>
-      <p:sp>
-        <p:nvSpPr>
-          <p:cNvPr id="26" name="Скругленный прямоугольник 25"/>
-          <p:cNvSpPr/>
-          <p:nvPr/>
-        </p:nvSpPr>
-        <p:spPr>
-          <a:xfrm>
-            <a:off x="2747819" y="3559741"/>
-            <a:ext cx="1533236" cy="387927"/>
-          </a:xfrm>
-          <a:prstGeom prst="roundRect">
-            <a:avLst/>
-          </a:prstGeom>
-          <a:solidFill>
-            <a:schemeClr val="bg2"/>
-          </a:solidFill>
-          <a:ln w="12700" cap="flat">
-            <a:noFill/>
-            <a:prstDash val="solid"/>
-            <a:miter/>
-          </a:ln>
-        </p:spPr>
-        <p:txBody>
-          <a:bodyPr rtlCol="0" anchor="ctr"/>
-          <a:lstStyle/>
-          <a:p>
-            <a:pPr algn="l"/>
-            <a:endParaRPr lang="ru-RU" dirty="0"/>
-          </a:p>
-        </p:txBody>
-      </p:sp>
-      <p:sp>
-        <p:nvSpPr>
-          <p:cNvPr id="27" name="Скругленный прямоугольник 26"/>
-          <p:cNvSpPr/>
-          <p:nvPr/>
-        </p:nvSpPr>
-        <p:spPr>
-          <a:xfrm>
-            <a:off x="4410364" y="3559741"/>
-            <a:ext cx="1533236" cy="387927"/>
-          </a:xfrm>
-          <a:prstGeom prst="roundRect">
-            <a:avLst/>
-          </a:prstGeom>
-          <a:solidFill>
-            <a:schemeClr val="bg2"/>
-          </a:solidFill>
-          <a:ln w="12700" cap="flat">
-            <a:noFill/>
-            <a:prstDash val="solid"/>
-            <a:miter/>
-          </a:ln>
-        </p:spPr>
-        <p:txBody>
-          <a:bodyPr rtlCol="0" anchor="ctr"/>
-          <a:lstStyle/>
-          <a:p>
-            <a:pPr algn="l"/>
-            <a:endParaRPr lang="ru-RU" dirty="0"/>
-          </a:p>
-        </p:txBody>
-      </p:sp>
-      <p:sp>
-        <p:nvSpPr>
-          <p:cNvPr id="29" name="Скругленный прямоугольник 28"/>
-          <p:cNvSpPr/>
-          <p:nvPr/>
-        </p:nvSpPr>
-        <p:spPr>
-          <a:xfrm>
-            <a:off x="2747815" y="4077414"/>
-            <a:ext cx="1533236" cy="387927"/>
-          </a:xfrm>
-          <a:prstGeom prst="roundRect">
-            <a:avLst/>
-          </a:prstGeom>
-          <a:solidFill>
-            <a:schemeClr val="bg2"/>
-          </a:solidFill>
-          <a:ln w="12700" cap="flat">
-            <a:noFill/>
-            <a:prstDash val="solid"/>
-            <a:miter/>
-          </a:ln>
-        </p:spPr>
-        <p:txBody>
-          <a:bodyPr rtlCol="0" anchor="ctr"/>
-          <a:lstStyle/>
-          <a:p>
-            <a:pPr algn="l"/>
-            <a:endParaRPr lang="ru-RU" dirty="0"/>
-          </a:p>
-        </p:txBody>
-      </p:sp>
-      <p:cxnSp>
-        <p:nvCxnSpPr>
-          <p:cNvPr id="30" name="Прямая со стрелкой 29"/>
-          <p:cNvCxnSpPr/>
-          <p:nvPr/>
-        </p:nvCxnSpPr>
-        <p:spPr>
-          <a:xfrm>
-            <a:off x="4410364" y="4271377"/>
-            <a:ext cx="461819" cy="0"/>
-          </a:xfrm>
-          <a:prstGeom prst="straightConnector1">
-            <a:avLst/>
-          </a:prstGeom>
-          <a:ln w="57150">
-            <a:solidFill>
-              <a:schemeClr val="bg1">
-                <a:lumMod val="95000"/>
-              </a:schemeClr>
-            </a:solidFill>
-            <a:tailEnd type="triangle"/>
-          </a:ln>
-        </p:spPr>
-        <p:style>
-          <a:lnRef idx="1">
-            <a:schemeClr val="accent1"/>
-          </a:lnRef>
-          <a:fillRef idx="0">
-            <a:schemeClr val="accent1"/>
-          </a:fillRef>
-          <a:effectRef idx="0">
-            <a:schemeClr val="accent1"/>
-          </a:effectRef>
-          <a:fontRef idx="minor">
-            <a:schemeClr val="tx1"/>
-          </a:fontRef>
-        </p:style>
-      </p:cxnSp>
-      <p:sp>
-        <p:nvSpPr>
-          <p:cNvPr id="31" name="Скругленный прямоугольник 30"/>
-          <p:cNvSpPr/>
-          <p:nvPr/>
-        </p:nvSpPr>
-        <p:spPr>
-          <a:xfrm>
-            <a:off x="4991348" y="4077413"/>
-            <a:ext cx="1533236" cy="387927"/>
-          </a:xfrm>
-          <a:prstGeom prst="roundRect">
-            <a:avLst/>
-          </a:prstGeom>
-          <a:solidFill>
-            <a:schemeClr val="bg2"/>
-          </a:solidFill>
-          <a:ln w="12700" cap="flat">
-            <a:noFill/>
-            <a:prstDash val="solid"/>
-            <a:miter/>
-          </a:ln>
-        </p:spPr>
-        <p:txBody>
-          <a:bodyPr rtlCol="0" anchor="ctr"/>
-          <a:lstStyle/>
-          <a:p>
-            <a:pPr algn="l"/>
-            <a:endParaRPr lang="ru-RU" dirty="0"/>
-          </a:p>
-        </p:txBody>
-      </p:sp>
-      <p:sp>
-        <p:nvSpPr>
-          <p:cNvPr id="32" name="Скругленный прямоугольник 31"/>
-          <p:cNvSpPr/>
-          <p:nvPr/>
-        </p:nvSpPr>
-        <p:spPr>
-          <a:xfrm>
-            <a:off x="2733958" y="4595091"/>
-            <a:ext cx="1533236" cy="387927"/>
-          </a:xfrm>
-          <a:prstGeom prst="roundRect">
-            <a:avLst/>
-          </a:prstGeom>
-          <a:solidFill>
-            <a:schemeClr val="bg2"/>
-          </a:solidFill>
-          <a:ln w="12700" cap="flat">
-            <a:noFill/>
-            <a:prstDash val="solid"/>
-            <a:miter/>
-          </a:ln>
-        </p:spPr>
-        <p:txBody>
-          <a:bodyPr rtlCol="0" anchor="ctr"/>
-          <a:lstStyle/>
-          <a:p>
-            <a:pPr algn="l"/>
-            <a:endParaRPr lang="ru-RU" dirty="0"/>
-          </a:p>
-        </p:txBody>
-      </p:sp>
-      <p:sp>
-        <p:nvSpPr>
-          <p:cNvPr id="33" name="Скругленный прямоугольник 32"/>
-          <p:cNvSpPr/>
-          <p:nvPr/>
-        </p:nvSpPr>
-        <p:spPr>
-          <a:xfrm>
-            <a:off x="4396503" y="4595091"/>
-            <a:ext cx="1533236" cy="387927"/>
-          </a:xfrm>
-          <a:prstGeom prst="roundRect">
-            <a:avLst/>
-          </a:prstGeom>
-          <a:solidFill>
-            <a:schemeClr val="bg2"/>
-          </a:solidFill>
-          <a:ln w="12700" cap="flat">
-            <a:noFill/>
-            <a:prstDash val="solid"/>
-            <a:miter/>
-          </a:ln>
-        </p:spPr>
-        <p:txBody>
-          <a:bodyPr rtlCol="0" anchor="ctr"/>
-          <a:lstStyle/>
-          <a:p>
-            <a:pPr algn="l"/>
-            <a:endParaRPr lang="ru-RU" dirty="0"/>
-          </a:p>
-        </p:txBody>
-      </p:sp>
-      <p:sp>
-        <p:nvSpPr>
-          <p:cNvPr id="34" name="Скругленный прямоугольник 33"/>
-          <p:cNvSpPr/>
-          <p:nvPr/>
-        </p:nvSpPr>
-        <p:spPr>
-          <a:xfrm>
-            <a:off x="6059048" y="4595091"/>
-            <a:ext cx="1533236" cy="387927"/>
-          </a:xfrm>
-          <a:prstGeom prst="roundRect">
-            <a:avLst/>
-          </a:prstGeom>
-          <a:solidFill>
-            <a:schemeClr val="bg2"/>
-          </a:solidFill>
-          <a:ln w="12700" cap="flat">
-            <a:noFill/>
-            <a:prstDash val="solid"/>
-            <a:miter/>
-          </a:ln>
-        </p:spPr>
-        <p:txBody>
-          <a:bodyPr rtlCol="0" anchor="ctr"/>
-          <a:lstStyle/>
-          <a:p>
-            <a:pPr algn="l"/>
-            <a:endParaRPr lang="ru-RU" dirty="0"/>
-          </a:p>
-        </p:txBody>
-      </p:sp>
-      <p:sp>
-        <p:nvSpPr>
-          <p:cNvPr id="35" name="Скругленный прямоугольник 34"/>
-          <p:cNvSpPr/>
-          <p:nvPr/>
-        </p:nvSpPr>
-        <p:spPr>
-          <a:xfrm>
-            <a:off x="7721593" y="4595091"/>
-            <a:ext cx="1533236" cy="387927"/>
-          </a:xfrm>
-          <a:prstGeom prst="roundRect">
-            <a:avLst/>
-          </a:prstGeom>
-          <a:solidFill>
-            <a:schemeClr val="bg2"/>
-          </a:solidFill>
-          <a:ln w="12700" cap="flat">
-            <a:noFill/>
-            <a:prstDash val="solid"/>
-            <a:miter/>
-          </a:ln>
-        </p:spPr>
-        <p:txBody>
-          <a:bodyPr rtlCol="0" anchor="ctr"/>
-          <a:lstStyle/>
-          <a:p>
-            <a:pPr algn="l"/>
-            <a:endParaRPr lang="ru-RU" dirty="0"/>
-          </a:p>
-        </p:txBody>
-      </p:sp>
-      <p:sp>
-        <p:nvSpPr>
-          <p:cNvPr id="36" name="Скругленный прямоугольник 35"/>
-          <p:cNvSpPr/>
-          <p:nvPr/>
-        </p:nvSpPr>
-        <p:spPr>
-          <a:xfrm>
-            <a:off x="9384138" y="4595091"/>
-            <a:ext cx="1533236" cy="387927"/>
-          </a:xfrm>
-          <a:prstGeom prst="roundRect">
-            <a:avLst/>
-          </a:prstGeom>
-          <a:solidFill>
-            <a:schemeClr val="bg2"/>
-          </a:solidFill>
-          <a:ln w="12700" cap="flat">
-            <a:noFill/>
-            <a:prstDash val="solid"/>
-            <a:miter/>
-          </a:ln>
-        </p:spPr>
-        <p:txBody>
-          <a:bodyPr rtlCol="0" anchor="ctr"/>
-          <a:lstStyle/>
-          <a:p>
-            <a:pPr algn="l"/>
-            <a:endParaRPr lang="ru-RU" dirty="0"/>
-          </a:p>
-        </p:txBody>
-      </p:sp>
-      <p:sp>
-        <p:nvSpPr>
-          <p:cNvPr id="38" name="TextBox 37"/>
-          <p:cNvSpPr txBox="1"/>
-          <p:nvPr/>
-        </p:nvSpPr>
-        <p:spPr>
-          <a:xfrm>
-            <a:off x="814207" y="2474495"/>
-            <a:ext cx="1313368" cy="461665"/>
-          </a:xfrm>
-          <a:prstGeom prst="rect">
-            <a:avLst/>
-          </a:prstGeom>
-          <a:noFill/>
-        </p:spPr>
-        <p:txBody>
-          <a:bodyPr wrap="square" rtlCol="0">
-            <a:spAutoFit/>
-          </a:bodyPr>
-          <a:lstStyle/>
-          <a:p>
-            <a:r>
-              <a:rPr lang="en-US" sz="2400" dirty="0" smtClean="0"/>
-              <a:t>data</a:t>
-            </a:r>
-            <a:endParaRPr lang="ru-RU" sz="2400" dirty="0"/>
-          </a:p>
-        </p:txBody>
-      </p:sp>
-      <p:sp>
-        <p:nvSpPr>
-          <p:cNvPr id="39" name="TextBox 38"/>
-          <p:cNvSpPr txBox="1"/>
-          <p:nvPr/>
-        </p:nvSpPr>
-        <p:spPr>
-          <a:xfrm>
-            <a:off x="2930345" y="3014600"/>
-            <a:ext cx="1313368" cy="400110"/>
-          </a:xfrm>
-          <a:prstGeom prst="rect">
-            <a:avLst/>
-          </a:prstGeom>
-          <a:noFill/>
-        </p:spPr>
-        <p:txBody>
-          <a:bodyPr wrap="square" rtlCol="0">
-            <a:spAutoFit/>
-          </a:bodyPr>
-          <a:lstStyle/>
-          <a:p>
-            <a:r>
-              <a:rPr lang="en-US" sz="2000" dirty="0" err="1" smtClean="0"/>
-              <a:t>Blogs.db</a:t>
-            </a:r>
-            <a:endParaRPr lang="ru-RU" sz="2000" dirty="0"/>
-          </a:p>
-        </p:txBody>
-      </p:sp>
-      <p:sp>
-        <p:nvSpPr>
-          <p:cNvPr id="40" name="TextBox 39"/>
-          <p:cNvSpPr txBox="1"/>
-          <p:nvPr/>
-        </p:nvSpPr>
-        <p:spPr>
-          <a:xfrm>
-            <a:off x="2945363" y="3545062"/>
-            <a:ext cx="1313368" cy="400110"/>
-          </a:xfrm>
-          <a:prstGeom prst="rect">
-            <a:avLst/>
-          </a:prstGeom>
-          <a:noFill/>
-        </p:spPr>
-        <p:txBody>
-          <a:bodyPr wrap="square" rtlCol="0">
-            <a:spAutoFit/>
-          </a:bodyPr>
-          <a:lstStyle/>
-          <a:p>
-            <a:r>
-              <a:rPr lang="en-US" sz="2000" dirty="0"/>
-              <a:t>News.py</a:t>
-            </a:r>
-            <a:endParaRPr lang="ru-RU" sz="2000" dirty="0"/>
-          </a:p>
-        </p:txBody>
-      </p:sp>
-      <p:sp>
-        <p:nvSpPr>
-          <p:cNvPr id="41" name="TextBox 40"/>
-          <p:cNvSpPr txBox="1"/>
-          <p:nvPr/>
-        </p:nvSpPr>
-        <p:spPr>
-          <a:xfrm>
-            <a:off x="3037414" y="4046662"/>
-            <a:ext cx="1313368" cy="461665"/>
-          </a:xfrm>
-          <a:prstGeom prst="rect">
-            <a:avLst/>
-          </a:prstGeom>
-          <a:noFill/>
-        </p:spPr>
-        <p:txBody>
-          <a:bodyPr wrap="square" rtlCol="0">
-            <a:spAutoFit/>
-          </a:bodyPr>
-          <a:lstStyle/>
-          <a:p>
-            <a:r>
-              <a:rPr lang="en-US" sz="2400" dirty="0" smtClean="0"/>
-              <a:t>photo</a:t>
-            </a:r>
-            <a:endParaRPr lang="ru-RU" sz="2400" dirty="0"/>
-          </a:p>
-        </p:txBody>
-      </p:sp>
-      <p:sp>
-        <p:nvSpPr>
-          <p:cNvPr id="42" name="TextBox 41"/>
-          <p:cNvSpPr txBox="1"/>
-          <p:nvPr/>
-        </p:nvSpPr>
-        <p:spPr>
-          <a:xfrm>
-            <a:off x="2865337" y="4570916"/>
-            <a:ext cx="1313368" cy="400110"/>
-          </a:xfrm>
-          <a:prstGeom prst="rect">
-            <a:avLst/>
-          </a:prstGeom>
-          <a:noFill/>
-        </p:spPr>
-        <p:txBody>
-          <a:bodyPr wrap="square" rtlCol="0">
-            <a:spAutoFit/>
-          </a:bodyPr>
-          <a:lstStyle/>
-          <a:p>
-            <a:r>
-              <a:rPr lang="en-US" sz="2000" dirty="0" smtClean="0"/>
-              <a:t>Base.html</a:t>
-            </a:r>
-            <a:endParaRPr lang="ru-RU" sz="2000" dirty="0"/>
-          </a:p>
-        </p:txBody>
-      </p:sp>
-      <p:sp>
-        <p:nvSpPr>
-          <p:cNvPr id="43" name="TextBox 42"/>
-          <p:cNvSpPr txBox="1"/>
-          <p:nvPr/>
-        </p:nvSpPr>
-        <p:spPr>
-          <a:xfrm>
-            <a:off x="576805" y="5046928"/>
-            <a:ext cx="1313368" cy="461665"/>
-          </a:xfrm>
-          <a:prstGeom prst="rect">
-            <a:avLst/>
-          </a:prstGeom>
-          <a:noFill/>
-        </p:spPr>
-        <p:txBody>
-          <a:bodyPr wrap="square" rtlCol="0">
-            <a:spAutoFit/>
-          </a:bodyPr>
-          <a:lstStyle/>
-          <a:p>
-            <a:r>
-              <a:rPr lang="en-US" sz="2400" dirty="0" smtClean="0"/>
-              <a:t>Main.py</a:t>
-            </a:r>
-            <a:endParaRPr lang="ru-RU" sz="2400" dirty="0"/>
-          </a:p>
-        </p:txBody>
-      </p:sp>
-      <p:sp>
-        <p:nvSpPr>
-          <p:cNvPr id="44" name="TextBox 43"/>
-          <p:cNvSpPr txBox="1"/>
-          <p:nvPr/>
-        </p:nvSpPr>
-        <p:spPr>
-          <a:xfrm>
-            <a:off x="552769" y="5580481"/>
-            <a:ext cx="1510249" cy="461665"/>
-          </a:xfrm>
-          <a:prstGeom prst="rect">
-            <a:avLst/>
-          </a:prstGeom>
-          <a:noFill/>
-        </p:spPr>
-        <p:txBody>
-          <a:bodyPr wrap="square" rtlCol="0">
-            <a:spAutoFit/>
-          </a:bodyPr>
-          <a:lstStyle/>
-          <a:p>
-            <a:r>
-              <a:rPr lang="en-US" sz="2400" dirty="0" smtClean="0"/>
-              <a:t>Style.css</a:t>
-            </a:r>
-            <a:endParaRPr lang="ru-RU" sz="2400" dirty="0"/>
-          </a:p>
-        </p:txBody>
-      </p:sp>
-      <p:sp>
-        <p:nvSpPr>
-          <p:cNvPr id="45" name="TextBox 44"/>
-          <p:cNvSpPr txBox="1"/>
-          <p:nvPr/>
-        </p:nvSpPr>
-        <p:spPr>
-          <a:xfrm>
-            <a:off x="2728742" y="2529633"/>
-            <a:ext cx="1610844" cy="307777"/>
-          </a:xfrm>
-          <a:prstGeom prst="rect">
-            <a:avLst/>
-          </a:prstGeom>
-          <a:noFill/>
-        </p:spPr>
-        <p:txBody>
-          <a:bodyPr wrap="square" rtlCol="0">
-            <a:spAutoFit/>
-          </a:bodyPr>
-          <a:lstStyle/>
-          <a:p>
-            <a:r>
-              <a:rPr lang="en-US" sz="1400" dirty="0" smtClean="0"/>
-              <a:t>__all_models.py</a:t>
-            </a:r>
-            <a:endParaRPr lang="ru-RU" sz="1400" dirty="0"/>
-          </a:p>
-        </p:txBody>
-      </p:sp>
-      <p:sp>
-        <p:nvSpPr>
-          <p:cNvPr id="46" name="TextBox 45"/>
-          <p:cNvSpPr txBox="1"/>
-          <p:nvPr/>
-        </p:nvSpPr>
-        <p:spPr>
-          <a:xfrm>
-            <a:off x="4588859" y="2514244"/>
-            <a:ext cx="1313368" cy="338554"/>
-          </a:xfrm>
-          <a:prstGeom prst="rect">
-            <a:avLst/>
-          </a:prstGeom>
-          <a:noFill/>
-        </p:spPr>
-        <p:txBody>
-          <a:bodyPr wrap="square" rtlCol="0">
-            <a:spAutoFit/>
-          </a:bodyPr>
-          <a:lstStyle/>
-          <a:p>
-            <a:r>
-              <a:rPr lang="en-US" sz="1600" dirty="0"/>
-              <a:t>c</a:t>
-            </a:r>
-            <a:r>
-              <a:rPr lang="en-US" sz="1600" dirty="0" smtClean="0"/>
-              <a:t>ategory.py</a:t>
-            </a:r>
-            <a:endParaRPr lang="ru-RU" sz="1600" dirty="0"/>
-          </a:p>
-        </p:txBody>
-      </p:sp>
-      <p:sp>
-        <p:nvSpPr>
-          <p:cNvPr id="47" name="TextBox 46"/>
-          <p:cNvSpPr txBox="1"/>
-          <p:nvPr/>
-        </p:nvSpPr>
-        <p:spPr>
-          <a:xfrm>
-            <a:off x="6090071" y="2534563"/>
-            <a:ext cx="1573979" cy="338554"/>
-          </a:xfrm>
-          <a:prstGeom prst="rect">
-            <a:avLst/>
-          </a:prstGeom>
-          <a:noFill/>
-        </p:spPr>
-        <p:txBody>
-          <a:bodyPr wrap="square" rtlCol="0">
-            <a:spAutoFit/>
-          </a:bodyPr>
-          <a:lstStyle/>
-          <a:p>
-            <a:r>
-              <a:rPr lang="en-US" sz="1600" dirty="0"/>
-              <a:t>d</a:t>
-            </a:r>
-            <a:r>
-              <a:rPr lang="en-US" sz="1600" dirty="0" smtClean="0"/>
-              <a:t>b_session.py</a:t>
-            </a:r>
-            <a:endParaRPr lang="ru-RU" sz="1600" dirty="0"/>
-          </a:p>
-        </p:txBody>
-      </p:sp>
-      <p:sp>
-        <p:nvSpPr>
-          <p:cNvPr id="48" name="TextBox 47"/>
-          <p:cNvSpPr txBox="1"/>
-          <p:nvPr/>
-        </p:nvSpPr>
-        <p:spPr>
-          <a:xfrm>
-            <a:off x="7941461" y="2491103"/>
-            <a:ext cx="1313368" cy="369332"/>
-          </a:xfrm>
-          <a:prstGeom prst="rect">
-            <a:avLst/>
-          </a:prstGeom>
-          <a:noFill/>
-        </p:spPr>
-        <p:txBody>
-          <a:bodyPr wrap="square" rtlCol="0">
-            <a:spAutoFit/>
-          </a:bodyPr>
-          <a:lstStyle/>
-          <a:p>
-            <a:r>
-              <a:rPr lang="en-US" dirty="0" smtClean="0"/>
-              <a:t>News.py</a:t>
-            </a:r>
-            <a:endParaRPr lang="ru-RU" dirty="0"/>
-          </a:p>
-        </p:txBody>
-      </p:sp>
-      <p:sp>
-        <p:nvSpPr>
-          <p:cNvPr id="51" name="TextBox 50"/>
-          <p:cNvSpPr txBox="1"/>
-          <p:nvPr/>
-        </p:nvSpPr>
-        <p:spPr>
-          <a:xfrm>
-            <a:off x="9645379" y="2509452"/>
-            <a:ext cx="1313368" cy="369332"/>
-          </a:xfrm>
-          <a:prstGeom prst="rect">
-            <a:avLst/>
-          </a:prstGeom>
-          <a:noFill/>
-        </p:spPr>
-        <p:txBody>
-          <a:bodyPr wrap="square" rtlCol="0">
-            <a:spAutoFit/>
-          </a:bodyPr>
-          <a:lstStyle/>
-          <a:p>
-            <a:r>
-              <a:rPr lang="en-US" dirty="0" smtClean="0"/>
-              <a:t>Users.py</a:t>
-            </a:r>
-            <a:endParaRPr lang="ru-RU" dirty="0"/>
-          </a:p>
-        </p:txBody>
-      </p:sp>
-      <p:sp>
-        <p:nvSpPr>
-          <p:cNvPr id="60" name="TextBox 59"/>
-          <p:cNvSpPr txBox="1"/>
-          <p:nvPr/>
-        </p:nvSpPr>
-        <p:spPr>
-          <a:xfrm>
-            <a:off x="923040" y="2984196"/>
-            <a:ext cx="1313368" cy="461665"/>
-          </a:xfrm>
-          <a:prstGeom prst="rect">
-            <a:avLst/>
-          </a:prstGeom>
-          <a:noFill/>
-        </p:spPr>
-        <p:txBody>
-          <a:bodyPr wrap="square" rtlCol="0">
-            <a:spAutoFit/>
-          </a:bodyPr>
-          <a:lstStyle/>
-          <a:p>
-            <a:r>
-              <a:rPr lang="en-US" sz="2400" dirty="0" err="1" smtClean="0"/>
-              <a:t>db</a:t>
-            </a:r>
-            <a:endParaRPr lang="ru-RU" sz="2400" dirty="0"/>
-          </a:p>
-        </p:txBody>
-      </p:sp>
-      <p:sp>
-        <p:nvSpPr>
-          <p:cNvPr id="61" name="TextBox 60"/>
-          <p:cNvSpPr txBox="1"/>
-          <p:nvPr/>
-        </p:nvSpPr>
-        <p:spPr>
-          <a:xfrm>
-            <a:off x="762168" y="3483507"/>
-            <a:ext cx="1313368" cy="461665"/>
-          </a:xfrm>
-          <a:prstGeom prst="rect">
-            <a:avLst/>
-          </a:prstGeom>
-          <a:noFill/>
-        </p:spPr>
-        <p:txBody>
-          <a:bodyPr wrap="square" rtlCol="0">
-            <a:spAutoFit/>
-          </a:bodyPr>
-          <a:lstStyle/>
-          <a:p>
-            <a:r>
-              <a:rPr lang="en-US" sz="2400" dirty="0" smtClean="0"/>
-              <a:t>forms</a:t>
-            </a:r>
-            <a:endParaRPr lang="ru-RU" sz="2400" dirty="0"/>
-          </a:p>
-        </p:txBody>
-      </p:sp>
-      <p:sp>
-        <p:nvSpPr>
-          <p:cNvPr id="62" name="TextBox 61"/>
-          <p:cNvSpPr txBox="1"/>
-          <p:nvPr/>
-        </p:nvSpPr>
-        <p:spPr>
-          <a:xfrm>
-            <a:off x="762168" y="4020081"/>
-            <a:ext cx="1313368" cy="461665"/>
-          </a:xfrm>
-          <a:prstGeom prst="rect">
-            <a:avLst/>
-          </a:prstGeom>
-          <a:noFill/>
-        </p:spPr>
-        <p:txBody>
-          <a:bodyPr wrap="square" rtlCol="0">
-            <a:spAutoFit/>
-          </a:bodyPr>
-          <a:lstStyle/>
-          <a:p>
-            <a:r>
-              <a:rPr lang="en-US" sz="2400" dirty="0" smtClean="0"/>
-              <a:t>static</a:t>
-            </a:r>
-            <a:endParaRPr lang="ru-RU" sz="2400" dirty="0"/>
-          </a:p>
-        </p:txBody>
-      </p:sp>
-      <p:sp>
-        <p:nvSpPr>
-          <p:cNvPr id="63" name="TextBox 62"/>
-          <p:cNvSpPr txBox="1"/>
-          <p:nvPr/>
-        </p:nvSpPr>
-        <p:spPr>
-          <a:xfrm>
-            <a:off x="576805" y="4574184"/>
-            <a:ext cx="1313368" cy="400110"/>
-          </a:xfrm>
-          <a:prstGeom prst="rect">
-            <a:avLst/>
-          </a:prstGeom>
-          <a:noFill/>
-        </p:spPr>
-        <p:txBody>
-          <a:bodyPr wrap="square" rtlCol="0">
-            <a:spAutoFit/>
-          </a:bodyPr>
-          <a:lstStyle/>
-          <a:p>
-            <a:r>
-              <a:rPr lang="en-US" sz="2000" dirty="0" smtClean="0"/>
-              <a:t>templates</a:t>
-            </a:r>
-            <a:endParaRPr lang="ru-RU" sz="2000" dirty="0"/>
-          </a:p>
-        </p:txBody>
-      </p:sp>
-      <p:sp>
-        <p:nvSpPr>
-          <p:cNvPr id="64" name="TextBox 63"/>
-          <p:cNvSpPr txBox="1"/>
-          <p:nvPr/>
-        </p:nvSpPr>
-        <p:spPr>
-          <a:xfrm>
-            <a:off x="4610118" y="3534739"/>
-            <a:ext cx="1313368" cy="400110"/>
-          </a:xfrm>
-          <a:prstGeom prst="rect">
-            <a:avLst/>
-          </a:prstGeom>
-          <a:noFill/>
-        </p:spPr>
-        <p:txBody>
-          <a:bodyPr wrap="square" rtlCol="0">
-            <a:spAutoFit/>
-          </a:bodyPr>
-          <a:lstStyle/>
-          <a:p>
-            <a:r>
-              <a:rPr lang="en-US" sz="2000" dirty="0"/>
-              <a:t>Users.py</a:t>
-            </a:r>
-            <a:endParaRPr lang="ru-RU" sz="2000" dirty="0"/>
-          </a:p>
-        </p:txBody>
-      </p:sp>
-      <p:sp>
-        <p:nvSpPr>
-          <p:cNvPr id="66" name="TextBox 65"/>
-          <p:cNvSpPr txBox="1"/>
-          <p:nvPr/>
-        </p:nvSpPr>
-        <p:spPr>
-          <a:xfrm>
-            <a:off x="4474355" y="4570916"/>
-            <a:ext cx="1666187" cy="400110"/>
-          </a:xfrm>
-          <a:prstGeom prst="rect">
-            <a:avLst/>
-          </a:prstGeom>
-          <a:noFill/>
-        </p:spPr>
-        <p:txBody>
-          <a:bodyPr wrap="square" rtlCol="0">
-            <a:spAutoFit/>
-          </a:bodyPr>
-          <a:lstStyle/>
-          <a:p>
-            <a:r>
-              <a:rPr lang="en-US" sz="2000" dirty="0" smtClean="0"/>
-              <a:t>Index.html</a:t>
-            </a:r>
-            <a:endParaRPr lang="ru-RU" sz="2000" dirty="0"/>
-          </a:p>
-        </p:txBody>
-      </p:sp>
-      <p:sp>
-        <p:nvSpPr>
-          <p:cNvPr id="67" name="TextBox 66"/>
-          <p:cNvSpPr txBox="1"/>
-          <p:nvPr/>
-        </p:nvSpPr>
-        <p:spPr>
-          <a:xfrm>
-            <a:off x="6146736" y="4577815"/>
-            <a:ext cx="1572758" cy="400110"/>
-          </a:xfrm>
-          <a:prstGeom prst="rect">
-            <a:avLst/>
-          </a:prstGeom>
-          <a:noFill/>
-        </p:spPr>
-        <p:txBody>
-          <a:bodyPr wrap="square" rtlCol="0">
-            <a:spAutoFit/>
-          </a:bodyPr>
-          <a:lstStyle/>
-          <a:p>
-            <a:r>
-              <a:rPr lang="en-US" sz="2000" dirty="0" smtClean="0"/>
-              <a:t>Login.html</a:t>
-            </a:r>
-            <a:endParaRPr lang="ru-RU" sz="2000" dirty="0"/>
-          </a:p>
-        </p:txBody>
-      </p:sp>
-      <p:sp>
-        <p:nvSpPr>
-          <p:cNvPr id="68" name="TextBox 67"/>
-          <p:cNvSpPr txBox="1"/>
-          <p:nvPr/>
-        </p:nvSpPr>
-        <p:spPr>
-          <a:xfrm>
-            <a:off x="7800882" y="4570916"/>
-            <a:ext cx="1678122" cy="400110"/>
-          </a:xfrm>
-          <a:prstGeom prst="rect">
-            <a:avLst/>
-          </a:prstGeom>
-          <a:noFill/>
-        </p:spPr>
-        <p:txBody>
-          <a:bodyPr wrap="square" rtlCol="0">
-            <a:spAutoFit/>
-          </a:bodyPr>
-          <a:lstStyle/>
-          <a:p>
-            <a:r>
-              <a:rPr lang="en-US" sz="2000" dirty="0" smtClean="0"/>
-              <a:t>News.html</a:t>
-            </a:r>
-            <a:endParaRPr lang="ru-RU" sz="2000" dirty="0"/>
-          </a:p>
-        </p:txBody>
-      </p:sp>
-      <p:sp>
-        <p:nvSpPr>
-          <p:cNvPr id="69" name="TextBox 68"/>
-          <p:cNvSpPr txBox="1"/>
-          <p:nvPr/>
-        </p:nvSpPr>
-        <p:spPr>
-          <a:xfrm>
-            <a:off x="9312532" y="4577815"/>
-            <a:ext cx="1746351" cy="400110"/>
-          </a:xfrm>
-          <a:prstGeom prst="rect">
-            <a:avLst/>
-          </a:prstGeom>
-          <a:noFill/>
-        </p:spPr>
-        <p:txBody>
-          <a:bodyPr wrap="square" rtlCol="0">
-            <a:spAutoFit/>
-          </a:bodyPr>
-          <a:lstStyle/>
-          <a:p>
-            <a:r>
-              <a:rPr lang="en-US" sz="2000" dirty="0" smtClean="0"/>
-              <a:t>Register.html</a:t>
-            </a:r>
-            <a:endParaRPr lang="ru-RU" sz="2000" dirty="0"/>
-          </a:p>
-        </p:txBody>
-      </p:sp>
-      <p:sp>
-        <p:nvSpPr>
-          <p:cNvPr id="70" name="TextBox 69"/>
-          <p:cNvSpPr txBox="1"/>
-          <p:nvPr/>
-        </p:nvSpPr>
-        <p:spPr>
-          <a:xfrm>
-            <a:off x="5146378" y="4039665"/>
-            <a:ext cx="1313368" cy="400110"/>
-          </a:xfrm>
-          <a:prstGeom prst="rect">
-            <a:avLst/>
-          </a:prstGeom>
-          <a:noFill/>
-        </p:spPr>
-        <p:txBody>
-          <a:bodyPr wrap="square" rtlCol="0">
-            <a:spAutoFit/>
-          </a:bodyPr>
-          <a:lstStyle/>
-          <a:p>
-            <a:r>
-              <a:rPr lang="en-US" sz="2000" dirty="0" smtClean="0"/>
-              <a:t>Logo.png</a:t>
-            </a:r>
-            <a:endParaRPr lang="ru-RU" sz="2000" dirty="0"/>
-          </a:p>
-        </p:txBody>
-      </p:sp>
+          </p:spPr>
+          <p:txBody>
+            <a:bodyPr wrap="square" rtlCol="0">
+              <a:spAutoFit/>
+            </a:bodyPr>
+            <a:lstStyle/>
+            <a:p>
+              <a:r>
+                <a:rPr lang="en-US" sz="1600" dirty="0" smtClean="0"/>
+                <a:t>My_index.html</a:t>
+              </a:r>
+              <a:endParaRPr lang="ru-RU" sz="1600" dirty="0"/>
+            </a:p>
+          </p:txBody>
+        </p:sp>
+      </p:grpSp>
     </p:spTree>
     <p:extLst>
       <p:ext uri="{BB962C8B-B14F-4D97-AF65-F5344CB8AC3E}">
@@ -16965,11 +17032,7 @@
             <a:pPr rtl="0"/>
             <a:r>
               <a:rPr lang="ru-RU" sz="2800" dirty="0" smtClean="0"/>
-              <a:t>Сайт предоставляет список доступных объекто</a:t>
-            </a:r>
-            <a:r>
-              <a:rPr lang="ru-RU" sz="2800" dirty="0" smtClean="0"/>
-              <a:t>в недвижимости</a:t>
+              <a:t>Сайт предоставляет список доступных объектов недвижимости</a:t>
             </a:r>
             <a:endParaRPr lang="ru-RU" sz="2800" dirty="0"/>
           </a:p>
@@ -17016,7 +17079,6 @@
               <a:rPr lang="en-US" sz="2600" dirty="0" smtClean="0"/>
               <a:t>;</a:t>
             </a:r>
-            <a:endParaRPr lang="en-US" sz="2600" dirty="0" smtClean="0"/>
           </a:p>
           <a:p>
             <a:pPr rtl="0">
@@ -17032,7 +17094,6 @@
               <a:rPr lang="en-US" sz="2600" dirty="0" smtClean="0"/>
               <a:t>;</a:t>
             </a:r>
-            <a:endParaRPr lang="en-US" sz="2600" dirty="0" smtClean="0"/>
           </a:p>
           <a:p>
             <a:pPr rtl="0">
@@ -17044,7 +17105,6 @@
               <a:rPr lang="ru-RU" sz="2600" dirty="0" smtClean="0"/>
               <a:t>Понятный интерфейс</a:t>
             </a:r>
-            <a:endParaRPr lang="ru-RU" sz="2600" dirty="0" smtClean="0"/>
           </a:p>
         </p:txBody>
       </p:sp>
@@ -17412,11 +17472,6 @@
               </a:rPr>
               <a:t>создать сайт агентства недвижимости</a:t>
             </a:r>
-            <a:endParaRPr lang="ru-RU" sz="3600" dirty="0" smtClean="0">
-              <a:solidFill>
-                <a:srgbClr val="FFC000"/>
-              </a:solidFill>
-            </a:endParaRPr>
           </a:p>
           <a:p>
             <a:pPr marL="0" indent="0">
@@ -17440,7 +17495,47 @@
                   </a:schemeClr>
                 </a:solidFill>
               </a:rPr>
-              <a:t>В дальнейшем игру можно дополнить</a:t>
+              <a:t>В </a:t>
+            </a:r>
+            <a:r>
+              <a:rPr lang="ru-RU" sz="3600">
+                <a:solidFill>
+                  <a:schemeClr val="bg1">
+                    <a:lumMod val="85000"/>
+                  </a:schemeClr>
+                </a:solidFill>
+              </a:rPr>
+              <a:t>дальнейшем </a:t>
+            </a:r>
+            <a:r>
+              <a:rPr lang="ru-RU" sz="3600" smtClean="0">
+                <a:solidFill>
+                  <a:schemeClr val="bg1">
+                    <a:lumMod val="85000"/>
+                  </a:schemeClr>
+                </a:solidFill>
+              </a:rPr>
+              <a:t>сайт</a:t>
+            </a:r>
+            <a:r>
+              <a:rPr lang="ru-RU" sz="3600" smtClean="0">
+                <a:solidFill>
+                  <a:schemeClr val="bg1">
+                    <a:lumMod val="85000"/>
+                  </a:schemeClr>
+                </a:solidFill>
+              </a:rPr>
+              <a:t> </a:t>
+            </a:r>
+            <a:r>
+              <a:rPr lang="ru-RU" sz="3600" dirty="0">
+                <a:solidFill>
+                  <a:schemeClr val="bg1">
+                    <a:lumMod val="85000"/>
+                  </a:schemeClr>
+                </a:solidFill>
+              </a:rPr>
+              <a:t>можно дополнить</a:t>
             </a:r>
             <a:r>
               <a:rPr lang="en-US" sz="3600" dirty="0">
@@ -17452,44 +17547,6 @@
               </a:rPr>
               <a:t>:</a:t>
             </a:r>
-          </a:p>
-          <a:p>
-            <a:pPr lvl="1">
-              <a:buClr>
-                <a:srgbClr val="7FC6ED"/>
-              </a:buClr>
-              <a:buFont typeface="Wingdings" panose="05000000000000000000" pitchFamily="2" charset="2"/>
-              <a:buChar char="§"/>
-            </a:pPr>
-            <a:r>
-              <a:rPr lang="ru-RU" sz="3600" dirty="0">
-                <a:solidFill>
-                  <a:srgbClr val="FFC000"/>
-                </a:solidFill>
-              </a:rPr>
-              <a:t>Ф</a:t>
-            </a:r>
-            <a:r>
-              <a:rPr lang="ru-RU" sz="3600" dirty="0" smtClean="0">
-                <a:solidFill>
-                  <a:srgbClr val="FFC000"/>
-                </a:solidFill>
-              </a:rPr>
-              <a:t>отографиями</a:t>
-            </a:r>
-            <a:r>
-              <a:rPr lang="en-US" sz="3600" dirty="0" smtClean="0">
-                <a:solidFill>
-                  <a:srgbClr val="FFC000"/>
-                </a:solidFill>
-              </a:rPr>
-              <a:t>;</a:t>
-            </a:r>
-            <a:endParaRPr lang="ru-RU" sz="3600" dirty="0">
-              <a:solidFill>
-                <a:srgbClr val="FFC000"/>
-              </a:solidFill>
-            </a:endParaRPr>
           </a:p>
           <a:p>
             <a:pPr lvl="1">
@@ -18613,17 +18670,17 @@
 <file path=customXml/itemProps2.xml><?xml version="1.0" encoding="utf-8"?>
 <ds:datastoreItem xmlns:ds="http://schemas.openxmlformats.org/officeDocument/2006/customXml" ds:itemID="{947A0EF5-23A9-4627-BC46-745B7DD804D2}">
   <ds:schemaRefs>
+    <ds:schemaRef ds:uri="http://schemas.microsoft.com/office/infopath/2007/PartnerControls"/>
+    <ds:schemaRef ds:uri="fb0879af-3eba-417a-a55a-ffe6dcd6ca77"/>
+    <ds:schemaRef ds:uri="http://purl.org/dc/elements/1.1/"/>
     <ds:schemaRef ds:uri="http://schemas.microsoft.com/office/2006/metadata/properties"/>
-    <ds:schemaRef ds:uri="http://purl.org/dc/elements/1.1/"/>
     <ds:schemaRef ds:uri="http://schemas.microsoft.com/sharepoint/v3"/>
+    <ds:schemaRef ds:uri="http://purl.org/dc/terms/"/>
     <ds:schemaRef ds:uri="http://schemas.openxmlformats.org/package/2006/metadata/core-properties"/>
-    <ds:schemaRef ds:uri="http://purl.org/dc/terms/"/>
-    <ds:schemaRef ds:uri="http://schemas.microsoft.com/office/infopath/2007/PartnerControls"/>
     <ds:schemaRef ds:uri="http://schemas.microsoft.com/office/2006/documentManagement/types"/>
-    <ds:schemaRef ds:uri="fb0879af-3eba-417a-a55a-ffe6dcd6ca77"/>
+    <ds:schemaRef ds:uri="http://purl.org/dc/dcmitype/"/>
     <ds:schemaRef ds:uri="6dc4bcd6-49db-4c07-9060-8acfc67cef9f"/>
     <ds:schemaRef ds:uri="http://www.w3.org/XML/1998/namespace"/>
-    <ds:schemaRef ds:uri="http://purl.org/dc/dcmitype/"/>
   </ds:schemaRefs>
 </ds:datastoreItem>
 </file>
